--- a/Marketing Analytics Business Case.pptx
+++ b/Marketing Analytics Business Case.pptx
@@ -1,17 +1,17 @@
 
 <file path=ppt/presentation.xml><?xml version="1.0" encoding="utf-8"?>
-<p:presentation xmlns:a="http://schemas.openxmlformats.org/drawingml/2006/main" xmlns:r="http://schemas.openxmlformats.org/officeDocument/2006/relationships" xmlns:p="http://schemas.openxmlformats.org/presentationml/2006/main" saveSubsetFonts="1">
+<p:presentation xmlns:a="http://schemas.openxmlformats.org/drawingml/2006/main" xmlns:r="http://schemas.openxmlformats.org/officeDocument/2006/relationships" xmlns:p="http://schemas.openxmlformats.org/presentationml/2006/main">
   <p:sldMasterIdLst>
     <p:sldMasterId id="2147483648" r:id="rId1"/>
   </p:sldMasterIdLst>
   <p:sldIdLst>
-    <p:sldId id="256" r:id="rId2"/>
-    <p:sldId id="258" r:id="rId3"/>
-    <p:sldId id="259" r:id="rId4"/>
-    <p:sldId id="260" r:id="rId5"/>
-    <p:sldId id="261" r:id="rId6"/>
-    <p:sldId id="262" r:id="rId7"/>
-    <p:sldId id="263" r:id="rId8"/>
+    <p:sldId id="256" r:id="rId3"/>
+    <p:sldId id="258" r:id="rId4"/>
+    <p:sldId id="259" r:id="rId5"/>
+    <p:sldId id="260" r:id="rId6"/>
+    <p:sldId id="261" r:id="rId7"/>
+    <p:sldId id="262" r:id="rId8"/>
+    <p:sldId id="263" r:id="rId9"/>
   </p:sldIdLst>
   <p:sldSz cx="12192000" cy="6858000"/>
   <p:notesSz cx="6858000" cy="9144000"/>
@@ -110,11 +110,6 @@
       </a:defRPr>
     </a:lvl9pPr>
   </p:defaultTextStyle>
-  <p:extLst>
-    <p:ext uri="{EFAFB233-063F-42B5-8137-9DF3F51BA10A}">
-      <p15:sldGuideLst xmlns:p15="http://schemas.microsoft.com/office/powerpoint/2012/main"/>
-    </p:ext>
-  </p:extLst>
 </p:presentation>
 </file>
 
@@ -137,13 +132,7 @@
       </p:grpSpPr>
       <p:sp>
         <p:nvSpPr>
-          <p:cNvPr id="2" name="Titre 1">
-            <a:extLst>
-              <a:ext uri="{FF2B5EF4-FFF2-40B4-BE49-F238E27FC236}">
-                <a16:creationId xmlns:a16="http://schemas.microsoft.com/office/drawing/2014/main" id="{6ABDE8FF-26B6-6794-F9B0-52C0904FAE9A}"/>
-              </a:ext>
-            </a:extLst>
-          </p:cNvPr>
+          <p:cNvPr id="2" name="Titre 1"/>
           <p:cNvSpPr>
             <a:spLocks noGrp="1"/>
           </p:cNvSpPr>
@@ -169,24 +158,18 @@
               <a:rPr lang="fr-FR"/>
               <a:t>Modifiez le style du titre</a:t>
             </a:r>
-            <a:endParaRPr lang="fr-MA"/>
-          </a:p>
-        </p:txBody>
-      </p:sp>
-      <p:sp>
-        <p:nvSpPr>
-          <p:cNvPr id="3" name="Sous-titre 2">
-            <a:extLst>
-              <a:ext uri="{FF2B5EF4-FFF2-40B4-BE49-F238E27FC236}">
-                <a16:creationId xmlns:a16="http://schemas.microsoft.com/office/drawing/2014/main" id="{EF8270A5-0C29-3394-3C90-C152EF2710EE}"/>
-              </a:ext>
-            </a:extLst>
-          </p:cNvPr>
-          <p:cNvSpPr>
-            <a:spLocks noGrp="1"/>
-          </p:cNvSpPr>
-          <p:nvPr>
-            <p:ph type="subTitle" idx="1"/>
+            <a:endParaRPr lang="en-US"/>
+          </a:p>
+        </p:txBody>
+      </p:sp>
+      <p:sp>
+        <p:nvSpPr>
+          <p:cNvPr id="3" name="Sous-titre 2"/>
+          <p:cNvSpPr>
+            <a:spLocks noGrp="1"/>
+          </p:cNvSpPr>
+          <p:nvPr>
+            <p:ph type="subTitle" idx="1" hasCustomPrompt="1"/>
           </p:nvPr>
         </p:nvSpPr>
         <p:spPr>
@@ -240,19 +223,13 @@
               <a:rPr lang="fr-FR"/>
               <a:t>Modifiez le style des sous-titres du masque</a:t>
             </a:r>
-            <a:endParaRPr lang="fr-MA"/>
-          </a:p>
-        </p:txBody>
-      </p:sp>
-      <p:sp>
-        <p:nvSpPr>
-          <p:cNvPr id="4" name="Espace réservé de la date 3">
-            <a:extLst>
-              <a:ext uri="{FF2B5EF4-FFF2-40B4-BE49-F238E27FC236}">
-                <a16:creationId xmlns:a16="http://schemas.microsoft.com/office/drawing/2014/main" id="{8243B43B-1869-669E-ABB3-FA39962A4A67}"/>
-              </a:ext>
-            </a:extLst>
-          </p:cNvPr>
+            <a:endParaRPr lang="en-US"/>
+          </a:p>
+        </p:txBody>
+      </p:sp>
+      <p:sp>
+        <p:nvSpPr>
+          <p:cNvPr id="4" name="Espace réservé de la date 3"/>
           <p:cNvSpPr>
             <a:spLocks noGrp="1"/>
           </p:cNvSpPr>
@@ -266,22 +243,15 @@
           <a:lstStyle/>
           <a:p>
             <a:fld id="{1497EADB-9B64-4DC6-B8C2-628A36AC1E90}" type="datetimeFigureOut">
-              <a:rPr lang="fr-MA" smtClean="0"/>
-              <a:t>26/11/2024</a:t>
+              <a:rPr lang="en-US" smtClean="0"/>
             </a:fld>
-            <a:endParaRPr lang="fr-MA"/>
-          </a:p>
-        </p:txBody>
-      </p:sp>
-      <p:sp>
-        <p:nvSpPr>
-          <p:cNvPr id="5" name="Espace réservé du pied de page 4">
-            <a:extLst>
-              <a:ext uri="{FF2B5EF4-FFF2-40B4-BE49-F238E27FC236}">
-                <a16:creationId xmlns:a16="http://schemas.microsoft.com/office/drawing/2014/main" id="{671340A4-B5F3-4666-71B2-2BA0AD1607C5}"/>
-              </a:ext>
-            </a:extLst>
-          </p:cNvPr>
+            <a:endParaRPr lang="en-US"/>
+          </a:p>
+        </p:txBody>
+      </p:sp>
+      <p:sp>
+        <p:nvSpPr>
+          <p:cNvPr id="5" name="Espace réservé du pied de page 4"/>
           <p:cNvSpPr>
             <a:spLocks noGrp="1"/>
           </p:cNvSpPr>
@@ -294,19 +264,13 @@
           <a:bodyPr/>
           <a:lstStyle/>
           <a:p>
-            <a:endParaRPr lang="fr-MA"/>
-          </a:p>
-        </p:txBody>
-      </p:sp>
-      <p:sp>
-        <p:nvSpPr>
-          <p:cNvPr id="6" name="Espace réservé du numéro de diapositive 5">
-            <a:extLst>
-              <a:ext uri="{FF2B5EF4-FFF2-40B4-BE49-F238E27FC236}">
-                <a16:creationId xmlns:a16="http://schemas.microsoft.com/office/drawing/2014/main" id="{C28F7674-368C-C11A-18FD-5734D41C8BE8}"/>
-              </a:ext>
-            </a:extLst>
-          </p:cNvPr>
+            <a:endParaRPr lang="en-US"/>
+          </a:p>
+        </p:txBody>
+      </p:sp>
+      <p:sp>
+        <p:nvSpPr>
+          <p:cNvPr id="6" name="Espace réservé du numéro de diapositive 5"/>
           <p:cNvSpPr>
             <a:spLocks noGrp="1"/>
           </p:cNvSpPr>
@@ -320,19 +284,13 @@
           <a:lstStyle/>
           <a:p>
             <a:fld id="{A524A520-B5EC-4575-A47B-6678F62A2446}" type="slidenum">
-              <a:rPr lang="fr-MA" smtClean="0"/>
-              <a:t>‹N°›</a:t>
+              <a:rPr lang="en-US" smtClean="0"/>
             </a:fld>
-            <a:endParaRPr lang="fr-MA"/>
+            <a:endParaRPr lang="en-US"/>
           </a:p>
         </p:txBody>
       </p:sp>
     </p:spTree>
-    <p:extLst>
-      <p:ext uri="{BB962C8B-B14F-4D97-AF65-F5344CB8AC3E}">
-        <p14:creationId xmlns:p14="http://schemas.microsoft.com/office/powerpoint/2010/main" val="1402051399"/>
-      </p:ext>
-    </p:extLst>
   </p:cSld>
   <p:clrMapOvr>
     <a:masterClrMapping/>
@@ -359,13 +317,7 @@
       </p:grpSpPr>
       <p:sp>
         <p:nvSpPr>
-          <p:cNvPr id="2" name="Titre 1">
-            <a:extLst>
-              <a:ext uri="{FF2B5EF4-FFF2-40B4-BE49-F238E27FC236}">
-                <a16:creationId xmlns:a16="http://schemas.microsoft.com/office/drawing/2014/main" id="{19874274-4C51-3E79-7F11-256F0A52F842}"/>
-              </a:ext>
-            </a:extLst>
-          </p:cNvPr>
+          <p:cNvPr id="2" name="Titre 1"/>
           <p:cNvSpPr>
             <a:spLocks noGrp="1"/>
           </p:cNvSpPr>
@@ -382,24 +334,18 @@
               <a:rPr lang="fr-FR"/>
               <a:t>Modifiez le style du titre</a:t>
             </a:r>
-            <a:endParaRPr lang="fr-MA"/>
-          </a:p>
-        </p:txBody>
-      </p:sp>
-      <p:sp>
-        <p:nvSpPr>
-          <p:cNvPr id="3" name="Espace réservé du texte vertical 2">
-            <a:extLst>
-              <a:ext uri="{FF2B5EF4-FFF2-40B4-BE49-F238E27FC236}">
-                <a16:creationId xmlns:a16="http://schemas.microsoft.com/office/drawing/2014/main" id="{6B7FCEC0-9323-E1EF-35B5-8CFFAD2E83C8}"/>
-              </a:ext>
-            </a:extLst>
-          </p:cNvPr>
-          <p:cNvSpPr>
-            <a:spLocks noGrp="1"/>
-          </p:cNvSpPr>
-          <p:nvPr>
-            <p:ph type="body" orient="vert" idx="1"/>
+            <a:endParaRPr lang="en-US"/>
+          </a:p>
+        </p:txBody>
+      </p:sp>
+      <p:sp>
+        <p:nvSpPr>
+          <p:cNvPr id="3" name="Espace réservé du texte vertical 2"/>
+          <p:cNvSpPr>
+            <a:spLocks noGrp="1"/>
+          </p:cNvSpPr>
+          <p:nvPr>
+            <p:ph type="body" orient="vert" idx="1" hasCustomPrompt="1"/>
           </p:nvPr>
         </p:nvSpPr>
         <p:spPr/>
@@ -412,6 +358,7 @@
               <a:rPr lang="fr-FR"/>
               <a:t>Cliquez pour modifier les styles du texte du masque</a:t>
             </a:r>
+            <a:endParaRPr lang="fr-FR"/>
           </a:p>
           <a:p>
             <a:pPr lvl="1"/>
@@ -419,6 +366,7 @@
               <a:rPr lang="fr-FR"/>
               <a:t>Deuxième niveau</a:t>
             </a:r>
+            <a:endParaRPr lang="fr-FR"/>
           </a:p>
           <a:p>
             <a:pPr lvl="2"/>
@@ -426,6 +374,7 @@
               <a:rPr lang="fr-FR"/>
               <a:t>Troisième niveau</a:t>
             </a:r>
+            <a:endParaRPr lang="fr-FR"/>
           </a:p>
           <a:p>
             <a:pPr lvl="3"/>
@@ -433,6 +382,7 @@
               <a:rPr lang="fr-FR"/>
               <a:t>Quatrième niveau</a:t>
             </a:r>
+            <a:endParaRPr lang="fr-FR"/>
           </a:p>
           <a:p>
             <a:pPr lvl="4"/>
@@ -440,19 +390,13 @@
               <a:rPr lang="fr-FR"/>
               <a:t>Cinquième niveau</a:t>
             </a:r>
-            <a:endParaRPr lang="fr-MA"/>
-          </a:p>
-        </p:txBody>
-      </p:sp>
-      <p:sp>
-        <p:nvSpPr>
-          <p:cNvPr id="4" name="Espace réservé de la date 3">
-            <a:extLst>
-              <a:ext uri="{FF2B5EF4-FFF2-40B4-BE49-F238E27FC236}">
-                <a16:creationId xmlns:a16="http://schemas.microsoft.com/office/drawing/2014/main" id="{2A05E8FD-C1E4-22FF-A59C-103FAEFB210C}"/>
-              </a:ext>
-            </a:extLst>
-          </p:cNvPr>
+            <a:endParaRPr lang="en-US"/>
+          </a:p>
+        </p:txBody>
+      </p:sp>
+      <p:sp>
+        <p:nvSpPr>
+          <p:cNvPr id="4" name="Espace réservé de la date 3"/>
           <p:cNvSpPr>
             <a:spLocks noGrp="1"/>
           </p:cNvSpPr>
@@ -466,22 +410,15 @@
           <a:lstStyle/>
           <a:p>
             <a:fld id="{1497EADB-9B64-4DC6-B8C2-628A36AC1E90}" type="datetimeFigureOut">
-              <a:rPr lang="fr-MA" smtClean="0"/>
-              <a:t>26/11/2024</a:t>
+              <a:rPr lang="en-US" smtClean="0"/>
             </a:fld>
-            <a:endParaRPr lang="fr-MA"/>
-          </a:p>
-        </p:txBody>
-      </p:sp>
-      <p:sp>
-        <p:nvSpPr>
-          <p:cNvPr id="5" name="Espace réservé du pied de page 4">
-            <a:extLst>
-              <a:ext uri="{FF2B5EF4-FFF2-40B4-BE49-F238E27FC236}">
-                <a16:creationId xmlns:a16="http://schemas.microsoft.com/office/drawing/2014/main" id="{1F9C8C33-4D70-5625-6615-1B883853A958}"/>
-              </a:ext>
-            </a:extLst>
-          </p:cNvPr>
+            <a:endParaRPr lang="en-US"/>
+          </a:p>
+        </p:txBody>
+      </p:sp>
+      <p:sp>
+        <p:nvSpPr>
+          <p:cNvPr id="5" name="Espace réservé du pied de page 4"/>
           <p:cNvSpPr>
             <a:spLocks noGrp="1"/>
           </p:cNvSpPr>
@@ -494,19 +431,13 @@
           <a:bodyPr/>
           <a:lstStyle/>
           <a:p>
-            <a:endParaRPr lang="fr-MA"/>
-          </a:p>
-        </p:txBody>
-      </p:sp>
-      <p:sp>
-        <p:nvSpPr>
-          <p:cNvPr id="6" name="Espace réservé du numéro de diapositive 5">
-            <a:extLst>
-              <a:ext uri="{FF2B5EF4-FFF2-40B4-BE49-F238E27FC236}">
-                <a16:creationId xmlns:a16="http://schemas.microsoft.com/office/drawing/2014/main" id="{2F786AD3-FDAD-EB88-CE15-F768A2C84259}"/>
-              </a:ext>
-            </a:extLst>
-          </p:cNvPr>
+            <a:endParaRPr lang="en-US"/>
+          </a:p>
+        </p:txBody>
+      </p:sp>
+      <p:sp>
+        <p:nvSpPr>
+          <p:cNvPr id="6" name="Espace réservé du numéro de diapositive 5"/>
           <p:cNvSpPr>
             <a:spLocks noGrp="1"/>
           </p:cNvSpPr>
@@ -520,19 +451,13 @@
           <a:lstStyle/>
           <a:p>
             <a:fld id="{A524A520-B5EC-4575-A47B-6678F62A2446}" type="slidenum">
-              <a:rPr lang="fr-MA" smtClean="0"/>
-              <a:t>‹N°›</a:t>
+              <a:rPr lang="en-US" smtClean="0"/>
             </a:fld>
-            <a:endParaRPr lang="fr-MA"/>
+            <a:endParaRPr lang="en-US"/>
           </a:p>
         </p:txBody>
       </p:sp>
     </p:spTree>
-    <p:extLst>
-      <p:ext uri="{BB962C8B-B14F-4D97-AF65-F5344CB8AC3E}">
-        <p14:creationId xmlns:p14="http://schemas.microsoft.com/office/powerpoint/2010/main" val="4092283258"/>
-      </p:ext>
-    </p:extLst>
   </p:cSld>
   <p:clrMapOvr>
     <a:masterClrMapping/>
@@ -559,13 +484,7 @@
       </p:grpSpPr>
       <p:sp>
         <p:nvSpPr>
-          <p:cNvPr id="2" name="Titre vertical 1">
-            <a:extLst>
-              <a:ext uri="{FF2B5EF4-FFF2-40B4-BE49-F238E27FC236}">
-                <a16:creationId xmlns:a16="http://schemas.microsoft.com/office/drawing/2014/main" id="{74122DCD-CA39-ADB4-1C26-DB621C531A70}"/>
-              </a:ext>
-            </a:extLst>
-          </p:cNvPr>
+          <p:cNvPr id="2" name="Titre vertical 1"/>
           <p:cNvSpPr>
             <a:spLocks noGrp="1"/>
           </p:cNvSpPr>
@@ -587,24 +506,18 @@
               <a:rPr lang="fr-FR"/>
               <a:t>Modifiez le style du titre</a:t>
             </a:r>
-            <a:endParaRPr lang="fr-MA"/>
-          </a:p>
-        </p:txBody>
-      </p:sp>
-      <p:sp>
-        <p:nvSpPr>
-          <p:cNvPr id="3" name="Espace réservé du texte vertical 2">
-            <a:extLst>
-              <a:ext uri="{FF2B5EF4-FFF2-40B4-BE49-F238E27FC236}">
-                <a16:creationId xmlns:a16="http://schemas.microsoft.com/office/drawing/2014/main" id="{CE73A16E-129A-961D-CBE0-E130B19B2036}"/>
-              </a:ext>
-            </a:extLst>
-          </p:cNvPr>
-          <p:cNvSpPr>
-            <a:spLocks noGrp="1"/>
-          </p:cNvSpPr>
-          <p:nvPr>
-            <p:ph type="body" orient="vert" idx="1"/>
+            <a:endParaRPr lang="en-US"/>
+          </a:p>
+        </p:txBody>
+      </p:sp>
+      <p:sp>
+        <p:nvSpPr>
+          <p:cNvPr id="3" name="Espace réservé du texte vertical 2"/>
+          <p:cNvSpPr>
+            <a:spLocks noGrp="1"/>
+          </p:cNvSpPr>
+          <p:nvPr>
+            <p:ph type="body" orient="vert" idx="1" hasCustomPrompt="1"/>
           </p:nvPr>
         </p:nvSpPr>
         <p:spPr>
@@ -622,6 +535,7 @@
               <a:rPr lang="fr-FR"/>
               <a:t>Cliquez pour modifier les styles du texte du masque</a:t>
             </a:r>
+            <a:endParaRPr lang="fr-FR"/>
           </a:p>
           <a:p>
             <a:pPr lvl="1"/>
@@ -629,6 +543,7 @@
               <a:rPr lang="fr-FR"/>
               <a:t>Deuxième niveau</a:t>
             </a:r>
+            <a:endParaRPr lang="fr-FR"/>
           </a:p>
           <a:p>
             <a:pPr lvl="2"/>
@@ -636,6 +551,7 @@
               <a:rPr lang="fr-FR"/>
               <a:t>Troisième niveau</a:t>
             </a:r>
+            <a:endParaRPr lang="fr-FR"/>
           </a:p>
           <a:p>
             <a:pPr lvl="3"/>
@@ -643,6 +559,7 @@
               <a:rPr lang="fr-FR"/>
               <a:t>Quatrième niveau</a:t>
             </a:r>
+            <a:endParaRPr lang="fr-FR"/>
           </a:p>
           <a:p>
             <a:pPr lvl="4"/>
@@ -650,19 +567,13 @@
               <a:rPr lang="fr-FR"/>
               <a:t>Cinquième niveau</a:t>
             </a:r>
-            <a:endParaRPr lang="fr-MA"/>
-          </a:p>
-        </p:txBody>
-      </p:sp>
-      <p:sp>
-        <p:nvSpPr>
-          <p:cNvPr id="4" name="Espace réservé de la date 3">
-            <a:extLst>
-              <a:ext uri="{FF2B5EF4-FFF2-40B4-BE49-F238E27FC236}">
-                <a16:creationId xmlns:a16="http://schemas.microsoft.com/office/drawing/2014/main" id="{E59A57BD-85EE-24EE-FD5E-BA0F013E426E}"/>
-              </a:ext>
-            </a:extLst>
-          </p:cNvPr>
+            <a:endParaRPr lang="en-US"/>
+          </a:p>
+        </p:txBody>
+      </p:sp>
+      <p:sp>
+        <p:nvSpPr>
+          <p:cNvPr id="4" name="Espace réservé de la date 3"/>
           <p:cNvSpPr>
             <a:spLocks noGrp="1"/>
           </p:cNvSpPr>
@@ -676,22 +587,15 @@
           <a:lstStyle/>
           <a:p>
             <a:fld id="{1497EADB-9B64-4DC6-B8C2-628A36AC1E90}" type="datetimeFigureOut">
-              <a:rPr lang="fr-MA" smtClean="0"/>
-              <a:t>26/11/2024</a:t>
+              <a:rPr lang="en-US" smtClean="0"/>
             </a:fld>
-            <a:endParaRPr lang="fr-MA"/>
-          </a:p>
-        </p:txBody>
-      </p:sp>
-      <p:sp>
-        <p:nvSpPr>
-          <p:cNvPr id="5" name="Espace réservé du pied de page 4">
-            <a:extLst>
-              <a:ext uri="{FF2B5EF4-FFF2-40B4-BE49-F238E27FC236}">
-                <a16:creationId xmlns:a16="http://schemas.microsoft.com/office/drawing/2014/main" id="{C1D5672A-32E5-9ADF-BFBC-B38F4A689B45}"/>
-              </a:ext>
-            </a:extLst>
-          </p:cNvPr>
+            <a:endParaRPr lang="en-US"/>
+          </a:p>
+        </p:txBody>
+      </p:sp>
+      <p:sp>
+        <p:nvSpPr>
+          <p:cNvPr id="5" name="Espace réservé du pied de page 4"/>
           <p:cNvSpPr>
             <a:spLocks noGrp="1"/>
           </p:cNvSpPr>
@@ -704,19 +608,13 @@
           <a:bodyPr/>
           <a:lstStyle/>
           <a:p>
-            <a:endParaRPr lang="fr-MA"/>
-          </a:p>
-        </p:txBody>
-      </p:sp>
-      <p:sp>
-        <p:nvSpPr>
-          <p:cNvPr id="6" name="Espace réservé du numéro de diapositive 5">
-            <a:extLst>
-              <a:ext uri="{FF2B5EF4-FFF2-40B4-BE49-F238E27FC236}">
-                <a16:creationId xmlns:a16="http://schemas.microsoft.com/office/drawing/2014/main" id="{35928217-4376-CEC9-BC60-F7CAE9F9EA73}"/>
-              </a:ext>
-            </a:extLst>
-          </p:cNvPr>
+            <a:endParaRPr lang="en-US"/>
+          </a:p>
+        </p:txBody>
+      </p:sp>
+      <p:sp>
+        <p:nvSpPr>
+          <p:cNvPr id="6" name="Espace réservé du numéro de diapositive 5"/>
           <p:cNvSpPr>
             <a:spLocks noGrp="1"/>
           </p:cNvSpPr>
@@ -730,19 +628,13 @@
           <a:lstStyle/>
           <a:p>
             <a:fld id="{A524A520-B5EC-4575-A47B-6678F62A2446}" type="slidenum">
-              <a:rPr lang="fr-MA" smtClean="0"/>
-              <a:t>‹N°›</a:t>
+              <a:rPr lang="en-US" smtClean="0"/>
             </a:fld>
-            <a:endParaRPr lang="fr-MA"/>
+            <a:endParaRPr lang="en-US"/>
           </a:p>
         </p:txBody>
       </p:sp>
     </p:spTree>
-    <p:extLst>
-      <p:ext uri="{BB962C8B-B14F-4D97-AF65-F5344CB8AC3E}">
-        <p14:creationId xmlns:p14="http://schemas.microsoft.com/office/powerpoint/2010/main" val="230702919"/>
-      </p:ext>
-    </p:extLst>
   </p:cSld>
   <p:clrMapOvr>
     <a:masterClrMapping/>
@@ -769,13 +661,7 @@
       </p:grpSpPr>
       <p:sp>
         <p:nvSpPr>
-          <p:cNvPr id="2" name="Titre 1">
-            <a:extLst>
-              <a:ext uri="{FF2B5EF4-FFF2-40B4-BE49-F238E27FC236}">
-                <a16:creationId xmlns:a16="http://schemas.microsoft.com/office/drawing/2014/main" id="{76FEFEF1-69FF-ED78-4972-91637D0E4625}"/>
-              </a:ext>
-            </a:extLst>
-          </p:cNvPr>
+          <p:cNvPr id="2" name="Titre 1"/>
           <p:cNvSpPr>
             <a:spLocks noGrp="1"/>
           </p:cNvSpPr>
@@ -792,24 +678,18 @@
               <a:rPr lang="fr-FR"/>
               <a:t>Modifiez le style du titre</a:t>
             </a:r>
-            <a:endParaRPr lang="fr-MA"/>
-          </a:p>
-        </p:txBody>
-      </p:sp>
-      <p:sp>
-        <p:nvSpPr>
-          <p:cNvPr id="3" name="Espace réservé du contenu 2">
-            <a:extLst>
-              <a:ext uri="{FF2B5EF4-FFF2-40B4-BE49-F238E27FC236}">
-                <a16:creationId xmlns:a16="http://schemas.microsoft.com/office/drawing/2014/main" id="{D51C174E-E6D7-EBFC-A143-2F6AAE0CF063}"/>
-              </a:ext>
-            </a:extLst>
-          </p:cNvPr>
-          <p:cNvSpPr>
-            <a:spLocks noGrp="1"/>
-          </p:cNvSpPr>
-          <p:nvPr>
-            <p:ph idx="1"/>
+            <a:endParaRPr lang="en-US"/>
+          </a:p>
+        </p:txBody>
+      </p:sp>
+      <p:sp>
+        <p:nvSpPr>
+          <p:cNvPr id="3" name="Espace réservé du contenu 2"/>
+          <p:cNvSpPr>
+            <a:spLocks noGrp="1"/>
+          </p:cNvSpPr>
+          <p:nvPr>
+            <p:ph idx="1" hasCustomPrompt="1"/>
           </p:nvPr>
         </p:nvSpPr>
         <p:spPr/>
@@ -822,6 +702,7 @@
               <a:rPr lang="fr-FR"/>
               <a:t>Cliquez pour modifier les styles du texte du masque</a:t>
             </a:r>
+            <a:endParaRPr lang="fr-FR"/>
           </a:p>
           <a:p>
             <a:pPr lvl="1"/>
@@ -829,6 +710,7 @@
               <a:rPr lang="fr-FR"/>
               <a:t>Deuxième niveau</a:t>
             </a:r>
+            <a:endParaRPr lang="fr-FR"/>
           </a:p>
           <a:p>
             <a:pPr lvl="2"/>
@@ -836,6 +718,7 @@
               <a:rPr lang="fr-FR"/>
               <a:t>Troisième niveau</a:t>
             </a:r>
+            <a:endParaRPr lang="fr-FR"/>
           </a:p>
           <a:p>
             <a:pPr lvl="3"/>
@@ -843,6 +726,7 @@
               <a:rPr lang="fr-FR"/>
               <a:t>Quatrième niveau</a:t>
             </a:r>
+            <a:endParaRPr lang="fr-FR"/>
           </a:p>
           <a:p>
             <a:pPr lvl="4"/>
@@ -850,19 +734,13 @@
               <a:rPr lang="fr-FR"/>
               <a:t>Cinquième niveau</a:t>
             </a:r>
-            <a:endParaRPr lang="fr-MA"/>
-          </a:p>
-        </p:txBody>
-      </p:sp>
-      <p:sp>
-        <p:nvSpPr>
-          <p:cNvPr id="4" name="Espace réservé de la date 3">
-            <a:extLst>
-              <a:ext uri="{FF2B5EF4-FFF2-40B4-BE49-F238E27FC236}">
-                <a16:creationId xmlns:a16="http://schemas.microsoft.com/office/drawing/2014/main" id="{0991BD96-4DD6-FA08-BB73-3C1ABE399387}"/>
-              </a:ext>
-            </a:extLst>
-          </p:cNvPr>
+            <a:endParaRPr lang="en-US"/>
+          </a:p>
+        </p:txBody>
+      </p:sp>
+      <p:sp>
+        <p:nvSpPr>
+          <p:cNvPr id="4" name="Espace réservé de la date 3"/>
           <p:cNvSpPr>
             <a:spLocks noGrp="1"/>
           </p:cNvSpPr>
@@ -876,22 +754,15 @@
           <a:lstStyle/>
           <a:p>
             <a:fld id="{1497EADB-9B64-4DC6-B8C2-628A36AC1E90}" type="datetimeFigureOut">
-              <a:rPr lang="fr-MA" smtClean="0"/>
-              <a:t>26/11/2024</a:t>
+              <a:rPr lang="en-US" smtClean="0"/>
             </a:fld>
-            <a:endParaRPr lang="fr-MA"/>
-          </a:p>
-        </p:txBody>
-      </p:sp>
-      <p:sp>
-        <p:nvSpPr>
-          <p:cNvPr id="5" name="Espace réservé du pied de page 4">
-            <a:extLst>
-              <a:ext uri="{FF2B5EF4-FFF2-40B4-BE49-F238E27FC236}">
-                <a16:creationId xmlns:a16="http://schemas.microsoft.com/office/drawing/2014/main" id="{EC7DB5C6-4B4B-DDFB-AF41-B45355FD857B}"/>
-              </a:ext>
-            </a:extLst>
-          </p:cNvPr>
+            <a:endParaRPr lang="en-US"/>
+          </a:p>
+        </p:txBody>
+      </p:sp>
+      <p:sp>
+        <p:nvSpPr>
+          <p:cNvPr id="5" name="Espace réservé du pied de page 4"/>
           <p:cNvSpPr>
             <a:spLocks noGrp="1"/>
           </p:cNvSpPr>
@@ -904,19 +775,13 @@
           <a:bodyPr/>
           <a:lstStyle/>
           <a:p>
-            <a:endParaRPr lang="fr-MA"/>
-          </a:p>
-        </p:txBody>
-      </p:sp>
-      <p:sp>
-        <p:nvSpPr>
-          <p:cNvPr id="6" name="Espace réservé du numéro de diapositive 5">
-            <a:extLst>
-              <a:ext uri="{FF2B5EF4-FFF2-40B4-BE49-F238E27FC236}">
-                <a16:creationId xmlns:a16="http://schemas.microsoft.com/office/drawing/2014/main" id="{E63C2ACE-8EEF-0060-4B90-28DC911DC946}"/>
-              </a:ext>
-            </a:extLst>
-          </p:cNvPr>
+            <a:endParaRPr lang="en-US"/>
+          </a:p>
+        </p:txBody>
+      </p:sp>
+      <p:sp>
+        <p:nvSpPr>
+          <p:cNvPr id="6" name="Espace réservé du numéro de diapositive 5"/>
           <p:cNvSpPr>
             <a:spLocks noGrp="1"/>
           </p:cNvSpPr>
@@ -930,19 +795,13 @@
           <a:lstStyle/>
           <a:p>
             <a:fld id="{A524A520-B5EC-4575-A47B-6678F62A2446}" type="slidenum">
-              <a:rPr lang="fr-MA" smtClean="0"/>
-              <a:t>‹N°›</a:t>
+              <a:rPr lang="en-US" smtClean="0"/>
             </a:fld>
-            <a:endParaRPr lang="fr-MA"/>
+            <a:endParaRPr lang="en-US"/>
           </a:p>
         </p:txBody>
       </p:sp>
     </p:spTree>
-    <p:extLst>
-      <p:ext uri="{BB962C8B-B14F-4D97-AF65-F5344CB8AC3E}">
-        <p14:creationId xmlns:p14="http://schemas.microsoft.com/office/powerpoint/2010/main" val="1072078645"/>
-      </p:ext>
-    </p:extLst>
   </p:cSld>
   <p:clrMapOvr>
     <a:masterClrMapping/>
@@ -969,13 +828,7 @@
       </p:grpSpPr>
       <p:sp>
         <p:nvSpPr>
-          <p:cNvPr id="2" name="Titre 1">
-            <a:extLst>
-              <a:ext uri="{FF2B5EF4-FFF2-40B4-BE49-F238E27FC236}">
-                <a16:creationId xmlns:a16="http://schemas.microsoft.com/office/drawing/2014/main" id="{23DA9386-5BE9-E92A-BDE3-5BDFA0E2F816}"/>
-              </a:ext>
-            </a:extLst>
-          </p:cNvPr>
+          <p:cNvPr id="2" name="Titre 1"/>
           <p:cNvSpPr>
             <a:spLocks noGrp="1"/>
           </p:cNvSpPr>
@@ -1001,24 +854,18 @@
               <a:rPr lang="fr-FR"/>
               <a:t>Modifiez le style du titre</a:t>
             </a:r>
-            <a:endParaRPr lang="fr-MA"/>
-          </a:p>
-        </p:txBody>
-      </p:sp>
-      <p:sp>
-        <p:nvSpPr>
-          <p:cNvPr id="3" name="Espace réservé du texte 2">
-            <a:extLst>
-              <a:ext uri="{FF2B5EF4-FFF2-40B4-BE49-F238E27FC236}">
-                <a16:creationId xmlns:a16="http://schemas.microsoft.com/office/drawing/2014/main" id="{9583778A-A4B4-5A1E-4534-26643C5F3DB3}"/>
-              </a:ext>
-            </a:extLst>
-          </p:cNvPr>
-          <p:cNvSpPr>
-            <a:spLocks noGrp="1"/>
-          </p:cNvSpPr>
-          <p:nvPr>
-            <p:ph type="body" idx="1"/>
+            <a:endParaRPr lang="en-US"/>
+          </a:p>
+        </p:txBody>
+      </p:sp>
+      <p:sp>
+        <p:nvSpPr>
+          <p:cNvPr id="3" name="Espace réservé du texte 2"/>
+          <p:cNvSpPr>
+            <a:spLocks noGrp="1"/>
+          </p:cNvSpPr>
+          <p:nvPr>
+            <p:ph type="body" idx="1" hasCustomPrompt="1"/>
           </p:nvPr>
         </p:nvSpPr>
         <p:spPr>
@@ -1127,18 +974,13 @@
               <a:rPr lang="fr-FR"/>
               <a:t>Cliquez pour modifier les styles du texte du masque</a:t>
             </a:r>
-          </a:p>
-        </p:txBody>
-      </p:sp>
-      <p:sp>
-        <p:nvSpPr>
-          <p:cNvPr id="4" name="Espace réservé de la date 3">
-            <a:extLst>
-              <a:ext uri="{FF2B5EF4-FFF2-40B4-BE49-F238E27FC236}">
-                <a16:creationId xmlns:a16="http://schemas.microsoft.com/office/drawing/2014/main" id="{C1CF9131-5A15-AED2-0558-0E0E49E89FA6}"/>
-              </a:ext>
-            </a:extLst>
-          </p:cNvPr>
+            <a:endParaRPr lang="fr-FR"/>
+          </a:p>
+        </p:txBody>
+      </p:sp>
+      <p:sp>
+        <p:nvSpPr>
+          <p:cNvPr id="4" name="Espace réservé de la date 3"/>
           <p:cNvSpPr>
             <a:spLocks noGrp="1"/>
           </p:cNvSpPr>
@@ -1152,22 +994,15 @@
           <a:lstStyle/>
           <a:p>
             <a:fld id="{1497EADB-9B64-4DC6-B8C2-628A36AC1E90}" type="datetimeFigureOut">
-              <a:rPr lang="fr-MA" smtClean="0"/>
-              <a:t>26/11/2024</a:t>
+              <a:rPr lang="en-US" smtClean="0"/>
             </a:fld>
-            <a:endParaRPr lang="fr-MA"/>
-          </a:p>
-        </p:txBody>
-      </p:sp>
-      <p:sp>
-        <p:nvSpPr>
-          <p:cNvPr id="5" name="Espace réservé du pied de page 4">
-            <a:extLst>
-              <a:ext uri="{FF2B5EF4-FFF2-40B4-BE49-F238E27FC236}">
-                <a16:creationId xmlns:a16="http://schemas.microsoft.com/office/drawing/2014/main" id="{309F5FBA-8D98-F1B0-A96C-835646295031}"/>
-              </a:ext>
-            </a:extLst>
-          </p:cNvPr>
+            <a:endParaRPr lang="en-US"/>
+          </a:p>
+        </p:txBody>
+      </p:sp>
+      <p:sp>
+        <p:nvSpPr>
+          <p:cNvPr id="5" name="Espace réservé du pied de page 4"/>
           <p:cNvSpPr>
             <a:spLocks noGrp="1"/>
           </p:cNvSpPr>
@@ -1180,19 +1015,13 @@
           <a:bodyPr/>
           <a:lstStyle/>
           <a:p>
-            <a:endParaRPr lang="fr-MA"/>
-          </a:p>
-        </p:txBody>
-      </p:sp>
-      <p:sp>
-        <p:nvSpPr>
-          <p:cNvPr id="6" name="Espace réservé du numéro de diapositive 5">
-            <a:extLst>
-              <a:ext uri="{FF2B5EF4-FFF2-40B4-BE49-F238E27FC236}">
-                <a16:creationId xmlns:a16="http://schemas.microsoft.com/office/drawing/2014/main" id="{1491B083-DBEB-9C82-778D-EF979C6BE90D}"/>
-              </a:ext>
-            </a:extLst>
-          </p:cNvPr>
+            <a:endParaRPr lang="en-US"/>
+          </a:p>
+        </p:txBody>
+      </p:sp>
+      <p:sp>
+        <p:nvSpPr>
+          <p:cNvPr id="6" name="Espace réservé du numéro de diapositive 5"/>
           <p:cNvSpPr>
             <a:spLocks noGrp="1"/>
           </p:cNvSpPr>
@@ -1206,19 +1035,13 @@
           <a:lstStyle/>
           <a:p>
             <a:fld id="{A524A520-B5EC-4575-A47B-6678F62A2446}" type="slidenum">
-              <a:rPr lang="fr-MA" smtClean="0"/>
-              <a:t>‹N°›</a:t>
+              <a:rPr lang="en-US" smtClean="0"/>
             </a:fld>
-            <a:endParaRPr lang="fr-MA"/>
+            <a:endParaRPr lang="en-US"/>
           </a:p>
         </p:txBody>
       </p:sp>
     </p:spTree>
-    <p:extLst>
-      <p:ext uri="{BB962C8B-B14F-4D97-AF65-F5344CB8AC3E}">
-        <p14:creationId xmlns:p14="http://schemas.microsoft.com/office/powerpoint/2010/main" val="2699856939"/>
-      </p:ext>
-    </p:extLst>
   </p:cSld>
   <p:clrMapOvr>
     <a:masterClrMapping/>
@@ -1245,13 +1068,7 @@
       </p:grpSpPr>
       <p:sp>
         <p:nvSpPr>
-          <p:cNvPr id="2" name="Titre 1">
-            <a:extLst>
-              <a:ext uri="{FF2B5EF4-FFF2-40B4-BE49-F238E27FC236}">
-                <a16:creationId xmlns:a16="http://schemas.microsoft.com/office/drawing/2014/main" id="{13F3A6EB-BFC6-4A7C-8060-F612F8984913}"/>
-              </a:ext>
-            </a:extLst>
-          </p:cNvPr>
+          <p:cNvPr id="2" name="Titre 1"/>
           <p:cNvSpPr>
             <a:spLocks noGrp="1"/>
           </p:cNvSpPr>
@@ -1268,24 +1085,18 @@
               <a:rPr lang="fr-FR"/>
               <a:t>Modifiez le style du titre</a:t>
             </a:r>
-            <a:endParaRPr lang="fr-MA"/>
-          </a:p>
-        </p:txBody>
-      </p:sp>
-      <p:sp>
-        <p:nvSpPr>
-          <p:cNvPr id="3" name="Espace réservé du contenu 2">
-            <a:extLst>
-              <a:ext uri="{FF2B5EF4-FFF2-40B4-BE49-F238E27FC236}">
-                <a16:creationId xmlns:a16="http://schemas.microsoft.com/office/drawing/2014/main" id="{E10DB448-36F5-07D5-611E-34D66C3F5015}"/>
-              </a:ext>
-            </a:extLst>
-          </p:cNvPr>
-          <p:cNvSpPr>
-            <a:spLocks noGrp="1"/>
-          </p:cNvSpPr>
-          <p:nvPr>
-            <p:ph sz="half" idx="1"/>
+            <a:endParaRPr lang="en-US"/>
+          </a:p>
+        </p:txBody>
+      </p:sp>
+      <p:sp>
+        <p:nvSpPr>
+          <p:cNvPr id="3" name="Espace réservé du contenu 2"/>
+          <p:cNvSpPr>
+            <a:spLocks noGrp="1"/>
+          </p:cNvSpPr>
+          <p:nvPr>
+            <p:ph sz="half" idx="1" hasCustomPrompt="1"/>
           </p:nvPr>
         </p:nvSpPr>
         <p:spPr>
@@ -1303,6 +1114,7 @@
               <a:rPr lang="fr-FR"/>
               <a:t>Cliquez pour modifier les styles du texte du masque</a:t>
             </a:r>
+            <a:endParaRPr lang="fr-FR"/>
           </a:p>
           <a:p>
             <a:pPr lvl="1"/>
@@ -1310,6 +1122,7 @@
               <a:rPr lang="fr-FR"/>
               <a:t>Deuxième niveau</a:t>
             </a:r>
+            <a:endParaRPr lang="fr-FR"/>
           </a:p>
           <a:p>
             <a:pPr lvl="2"/>
@@ -1317,6 +1130,7 @@
               <a:rPr lang="fr-FR"/>
               <a:t>Troisième niveau</a:t>
             </a:r>
+            <a:endParaRPr lang="fr-FR"/>
           </a:p>
           <a:p>
             <a:pPr lvl="3"/>
@@ -1324,6 +1138,7 @@
               <a:rPr lang="fr-FR"/>
               <a:t>Quatrième niveau</a:t>
             </a:r>
+            <a:endParaRPr lang="fr-FR"/>
           </a:p>
           <a:p>
             <a:pPr lvl="4"/>
@@ -1331,24 +1146,18 @@
               <a:rPr lang="fr-FR"/>
               <a:t>Cinquième niveau</a:t>
             </a:r>
-            <a:endParaRPr lang="fr-MA"/>
-          </a:p>
-        </p:txBody>
-      </p:sp>
-      <p:sp>
-        <p:nvSpPr>
-          <p:cNvPr id="4" name="Espace réservé du contenu 3">
-            <a:extLst>
-              <a:ext uri="{FF2B5EF4-FFF2-40B4-BE49-F238E27FC236}">
-                <a16:creationId xmlns:a16="http://schemas.microsoft.com/office/drawing/2014/main" id="{51D9B432-E078-1EBA-6709-05009B7A5157}"/>
-              </a:ext>
-            </a:extLst>
-          </p:cNvPr>
-          <p:cNvSpPr>
-            <a:spLocks noGrp="1"/>
-          </p:cNvSpPr>
-          <p:nvPr>
-            <p:ph sz="half" idx="2"/>
+            <a:endParaRPr lang="en-US"/>
+          </a:p>
+        </p:txBody>
+      </p:sp>
+      <p:sp>
+        <p:nvSpPr>
+          <p:cNvPr id="4" name="Espace réservé du contenu 3"/>
+          <p:cNvSpPr>
+            <a:spLocks noGrp="1"/>
+          </p:cNvSpPr>
+          <p:nvPr>
+            <p:ph sz="half" idx="2" hasCustomPrompt="1"/>
           </p:nvPr>
         </p:nvSpPr>
         <p:spPr>
@@ -1366,6 +1175,7 @@
               <a:rPr lang="fr-FR"/>
               <a:t>Cliquez pour modifier les styles du texte du masque</a:t>
             </a:r>
+            <a:endParaRPr lang="fr-FR"/>
           </a:p>
           <a:p>
             <a:pPr lvl="1"/>
@@ -1373,6 +1183,7 @@
               <a:rPr lang="fr-FR"/>
               <a:t>Deuxième niveau</a:t>
             </a:r>
+            <a:endParaRPr lang="fr-FR"/>
           </a:p>
           <a:p>
             <a:pPr lvl="2"/>
@@ -1380,6 +1191,7 @@
               <a:rPr lang="fr-FR"/>
               <a:t>Troisième niveau</a:t>
             </a:r>
+            <a:endParaRPr lang="fr-FR"/>
           </a:p>
           <a:p>
             <a:pPr lvl="3"/>
@@ -1387,6 +1199,7 @@
               <a:rPr lang="fr-FR"/>
               <a:t>Quatrième niveau</a:t>
             </a:r>
+            <a:endParaRPr lang="fr-FR"/>
           </a:p>
           <a:p>
             <a:pPr lvl="4"/>
@@ -1394,19 +1207,13 @@
               <a:rPr lang="fr-FR"/>
               <a:t>Cinquième niveau</a:t>
             </a:r>
-            <a:endParaRPr lang="fr-MA"/>
-          </a:p>
-        </p:txBody>
-      </p:sp>
-      <p:sp>
-        <p:nvSpPr>
-          <p:cNvPr id="5" name="Espace réservé de la date 4">
-            <a:extLst>
-              <a:ext uri="{FF2B5EF4-FFF2-40B4-BE49-F238E27FC236}">
-                <a16:creationId xmlns:a16="http://schemas.microsoft.com/office/drawing/2014/main" id="{003A3C92-BBC3-3ECB-B8E2-8CEF4E40846F}"/>
-              </a:ext>
-            </a:extLst>
-          </p:cNvPr>
+            <a:endParaRPr lang="en-US"/>
+          </a:p>
+        </p:txBody>
+      </p:sp>
+      <p:sp>
+        <p:nvSpPr>
+          <p:cNvPr id="5" name="Espace réservé de la date 4"/>
           <p:cNvSpPr>
             <a:spLocks noGrp="1"/>
           </p:cNvSpPr>
@@ -1420,22 +1227,15 @@
           <a:lstStyle/>
           <a:p>
             <a:fld id="{1497EADB-9B64-4DC6-B8C2-628A36AC1E90}" type="datetimeFigureOut">
-              <a:rPr lang="fr-MA" smtClean="0"/>
-              <a:t>26/11/2024</a:t>
+              <a:rPr lang="en-US" smtClean="0"/>
             </a:fld>
-            <a:endParaRPr lang="fr-MA"/>
-          </a:p>
-        </p:txBody>
-      </p:sp>
-      <p:sp>
-        <p:nvSpPr>
-          <p:cNvPr id="6" name="Espace réservé du pied de page 5">
-            <a:extLst>
-              <a:ext uri="{FF2B5EF4-FFF2-40B4-BE49-F238E27FC236}">
-                <a16:creationId xmlns:a16="http://schemas.microsoft.com/office/drawing/2014/main" id="{02063470-EBAE-FE40-9D20-F5F94C24FC2F}"/>
-              </a:ext>
-            </a:extLst>
-          </p:cNvPr>
+            <a:endParaRPr lang="en-US"/>
+          </a:p>
+        </p:txBody>
+      </p:sp>
+      <p:sp>
+        <p:nvSpPr>
+          <p:cNvPr id="6" name="Espace réservé du pied de page 5"/>
           <p:cNvSpPr>
             <a:spLocks noGrp="1"/>
           </p:cNvSpPr>
@@ -1448,19 +1248,13 @@
           <a:bodyPr/>
           <a:lstStyle/>
           <a:p>
-            <a:endParaRPr lang="fr-MA"/>
-          </a:p>
-        </p:txBody>
-      </p:sp>
-      <p:sp>
-        <p:nvSpPr>
-          <p:cNvPr id="7" name="Espace réservé du numéro de diapositive 6">
-            <a:extLst>
-              <a:ext uri="{FF2B5EF4-FFF2-40B4-BE49-F238E27FC236}">
-                <a16:creationId xmlns:a16="http://schemas.microsoft.com/office/drawing/2014/main" id="{61163E4D-4976-BBC2-1466-0B1BFC7DA39A}"/>
-              </a:ext>
-            </a:extLst>
-          </p:cNvPr>
+            <a:endParaRPr lang="en-US"/>
+          </a:p>
+        </p:txBody>
+      </p:sp>
+      <p:sp>
+        <p:nvSpPr>
+          <p:cNvPr id="7" name="Espace réservé du numéro de diapositive 6"/>
           <p:cNvSpPr>
             <a:spLocks noGrp="1"/>
           </p:cNvSpPr>
@@ -1474,19 +1268,13 @@
           <a:lstStyle/>
           <a:p>
             <a:fld id="{A524A520-B5EC-4575-A47B-6678F62A2446}" type="slidenum">
-              <a:rPr lang="fr-MA" smtClean="0"/>
-              <a:t>‹N°›</a:t>
+              <a:rPr lang="en-US" smtClean="0"/>
             </a:fld>
-            <a:endParaRPr lang="fr-MA"/>
+            <a:endParaRPr lang="en-US"/>
           </a:p>
         </p:txBody>
       </p:sp>
     </p:spTree>
-    <p:extLst>
-      <p:ext uri="{BB962C8B-B14F-4D97-AF65-F5344CB8AC3E}">
-        <p14:creationId xmlns:p14="http://schemas.microsoft.com/office/powerpoint/2010/main" val="4165518131"/>
-      </p:ext>
-    </p:extLst>
   </p:cSld>
   <p:clrMapOvr>
     <a:masterClrMapping/>
@@ -1513,13 +1301,7 @@
       </p:grpSpPr>
       <p:sp>
         <p:nvSpPr>
-          <p:cNvPr id="2" name="Titre 1">
-            <a:extLst>
-              <a:ext uri="{FF2B5EF4-FFF2-40B4-BE49-F238E27FC236}">
-                <a16:creationId xmlns:a16="http://schemas.microsoft.com/office/drawing/2014/main" id="{694B145E-8F5D-6A84-B35E-763F5EBD201F}"/>
-              </a:ext>
-            </a:extLst>
-          </p:cNvPr>
+          <p:cNvPr id="2" name="Titre 1"/>
           <p:cNvSpPr>
             <a:spLocks noGrp="1"/>
           </p:cNvSpPr>
@@ -1541,24 +1323,18 @@
               <a:rPr lang="fr-FR"/>
               <a:t>Modifiez le style du titre</a:t>
             </a:r>
-            <a:endParaRPr lang="fr-MA"/>
-          </a:p>
-        </p:txBody>
-      </p:sp>
-      <p:sp>
-        <p:nvSpPr>
-          <p:cNvPr id="3" name="Espace réservé du texte 2">
-            <a:extLst>
-              <a:ext uri="{FF2B5EF4-FFF2-40B4-BE49-F238E27FC236}">
-                <a16:creationId xmlns:a16="http://schemas.microsoft.com/office/drawing/2014/main" id="{560676E2-8763-8683-0A6B-649D7FEE0FEC}"/>
-              </a:ext>
-            </a:extLst>
-          </p:cNvPr>
-          <p:cNvSpPr>
-            <a:spLocks noGrp="1"/>
-          </p:cNvSpPr>
-          <p:nvPr>
-            <p:ph type="body" idx="1"/>
+            <a:endParaRPr lang="en-US"/>
+          </a:p>
+        </p:txBody>
+      </p:sp>
+      <p:sp>
+        <p:nvSpPr>
+          <p:cNvPr id="3" name="Espace réservé du texte 2"/>
+          <p:cNvSpPr>
+            <a:spLocks noGrp="1"/>
+          </p:cNvSpPr>
+          <p:nvPr>
+            <p:ph type="body" idx="1" hasCustomPrompt="1"/>
           </p:nvPr>
         </p:nvSpPr>
         <p:spPr>
@@ -1613,23 +1389,18 @@
               <a:rPr lang="fr-FR"/>
               <a:t>Cliquez pour modifier les styles du texte du masque</a:t>
             </a:r>
-          </a:p>
-        </p:txBody>
-      </p:sp>
-      <p:sp>
-        <p:nvSpPr>
-          <p:cNvPr id="4" name="Espace réservé du contenu 3">
-            <a:extLst>
-              <a:ext uri="{FF2B5EF4-FFF2-40B4-BE49-F238E27FC236}">
-                <a16:creationId xmlns:a16="http://schemas.microsoft.com/office/drawing/2014/main" id="{A0C37549-FD6D-4745-E9A0-D3B188E4BF12}"/>
-              </a:ext>
-            </a:extLst>
-          </p:cNvPr>
-          <p:cNvSpPr>
-            <a:spLocks noGrp="1"/>
-          </p:cNvSpPr>
-          <p:nvPr>
-            <p:ph sz="half" idx="2"/>
+            <a:endParaRPr lang="fr-FR"/>
+          </a:p>
+        </p:txBody>
+      </p:sp>
+      <p:sp>
+        <p:nvSpPr>
+          <p:cNvPr id="4" name="Espace réservé du contenu 3"/>
+          <p:cNvSpPr>
+            <a:spLocks noGrp="1"/>
+          </p:cNvSpPr>
+          <p:nvPr>
+            <p:ph sz="half" idx="2" hasCustomPrompt="1"/>
           </p:nvPr>
         </p:nvSpPr>
         <p:spPr>
@@ -1647,6 +1418,7 @@
               <a:rPr lang="fr-FR"/>
               <a:t>Cliquez pour modifier les styles du texte du masque</a:t>
             </a:r>
+            <a:endParaRPr lang="fr-FR"/>
           </a:p>
           <a:p>
             <a:pPr lvl="1"/>
@@ -1654,6 +1426,7 @@
               <a:rPr lang="fr-FR"/>
               <a:t>Deuxième niveau</a:t>
             </a:r>
+            <a:endParaRPr lang="fr-FR"/>
           </a:p>
           <a:p>
             <a:pPr lvl="2"/>
@@ -1661,6 +1434,7 @@
               <a:rPr lang="fr-FR"/>
               <a:t>Troisième niveau</a:t>
             </a:r>
+            <a:endParaRPr lang="fr-FR"/>
           </a:p>
           <a:p>
             <a:pPr lvl="3"/>
@@ -1668,6 +1442,7 @@
               <a:rPr lang="fr-FR"/>
               <a:t>Quatrième niveau</a:t>
             </a:r>
+            <a:endParaRPr lang="fr-FR"/>
           </a:p>
           <a:p>
             <a:pPr lvl="4"/>
@@ -1675,24 +1450,18 @@
               <a:rPr lang="fr-FR"/>
               <a:t>Cinquième niveau</a:t>
             </a:r>
-            <a:endParaRPr lang="fr-MA"/>
-          </a:p>
-        </p:txBody>
-      </p:sp>
-      <p:sp>
-        <p:nvSpPr>
-          <p:cNvPr id="5" name="Espace réservé du texte 4">
-            <a:extLst>
-              <a:ext uri="{FF2B5EF4-FFF2-40B4-BE49-F238E27FC236}">
-                <a16:creationId xmlns:a16="http://schemas.microsoft.com/office/drawing/2014/main" id="{63777862-57F1-1350-E90B-ACFF285BBFAA}"/>
-              </a:ext>
-            </a:extLst>
-          </p:cNvPr>
-          <p:cNvSpPr>
-            <a:spLocks noGrp="1"/>
-          </p:cNvSpPr>
-          <p:nvPr>
-            <p:ph type="body" sz="quarter" idx="3"/>
+            <a:endParaRPr lang="en-US"/>
+          </a:p>
+        </p:txBody>
+      </p:sp>
+      <p:sp>
+        <p:nvSpPr>
+          <p:cNvPr id="5" name="Espace réservé du texte 4"/>
+          <p:cNvSpPr>
+            <a:spLocks noGrp="1"/>
+          </p:cNvSpPr>
+          <p:nvPr>
+            <p:ph type="body" sz="quarter" idx="3" hasCustomPrompt="1"/>
           </p:nvPr>
         </p:nvSpPr>
         <p:spPr>
@@ -1747,23 +1516,18 @@
               <a:rPr lang="fr-FR"/>
               <a:t>Cliquez pour modifier les styles du texte du masque</a:t>
             </a:r>
-          </a:p>
-        </p:txBody>
-      </p:sp>
-      <p:sp>
-        <p:nvSpPr>
-          <p:cNvPr id="6" name="Espace réservé du contenu 5">
-            <a:extLst>
-              <a:ext uri="{FF2B5EF4-FFF2-40B4-BE49-F238E27FC236}">
-                <a16:creationId xmlns:a16="http://schemas.microsoft.com/office/drawing/2014/main" id="{5FDE1582-E49B-71E0-439F-EC5C2AA003B9}"/>
-              </a:ext>
-            </a:extLst>
-          </p:cNvPr>
-          <p:cNvSpPr>
-            <a:spLocks noGrp="1"/>
-          </p:cNvSpPr>
-          <p:nvPr>
-            <p:ph sz="quarter" idx="4"/>
+            <a:endParaRPr lang="fr-FR"/>
+          </a:p>
+        </p:txBody>
+      </p:sp>
+      <p:sp>
+        <p:nvSpPr>
+          <p:cNvPr id="6" name="Espace réservé du contenu 5"/>
+          <p:cNvSpPr>
+            <a:spLocks noGrp="1"/>
+          </p:cNvSpPr>
+          <p:nvPr>
+            <p:ph sz="quarter" idx="4" hasCustomPrompt="1"/>
           </p:nvPr>
         </p:nvSpPr>
         <p:spPr>
@@ -1781,6 +1545,7 @@
               <a:rPr lang="fr-FR"/>
               <a:t>Cliquez pour modifier les styles du texte du masque</a:t>
             </a:r>
+            <a:endParaRPr lang="fr-FR"/>
           </a:p>
           <a:p>
             <a:pPr lvl="1"/>
@@ -1788,6 +1553,7 @@
               <a:rPr lang="fr-FR"/>
               <a:t>Deuxième niveau</a:t>
             </a:r>
+            <a:endParaRPr lang="fr-FR"/>
           </a:p>
           <a:p>
             <a:pPr lvl="2"/>
@@ -1795,6 +1561,7 @@
               <a:rPr lang="fr-FR"/>
               <a:t>Troisième niveau</a:t>
             </a:r>
+            <a:endParaRPr lang="fr-FR"/>
           </a:p>
           <a:p>
             <a:pPr lvl="3"/>
@@ -1802,6 +1569,7 @@
               <a:rPr lang="fr-FR"/>
               <a:t>Quatrième niveau</a:t>
             </a:r>
+            <a:endParaRPr lang="fr-FR"/>
           </a:p>
           <a:p>
             <a:pPr lvl="4"/>
@@ -1809,19 +1577,13 @@
               <a:rPr lang="fr-FR"/>
               <a:t>Cinquième niveau</a:t>
             </a:r>
-            <a:endParaRPr lang="fr-MA"/>
-          </a:p>
-        </p:txBody>
-      </p:sp>
-      <p:sp>
-        <p:nvSpPr>
-          <p:cNvPr id="7" name="Espace réservé de la date 6">
-            <a:extLst>
-              <a:ext uri="{FF2B5EF4-FFF2-40B4-BE49-F238E27FC236}">
-                <a16:creationId xmlns:a16="http://schemas.microsoft.com/office/drawing/2014/main" id="{AFF50875-60B8-6BCC-CFD1-5FC3969A4308}"/>
-              </a:ext>
-            </a:extLst>
-          </p:cNvPr>
+            <a:endParaRPr lang="en-US"/>
+          </a:p>
+        </p:txBody>
+      </p:sp>
+      <p:sp>
+        <p:nvSpPr>
+          <p:cNvPr id="7" name="Espace réservé de la date 6"/>
           <p:cNvSpPr>
             <a:spLocks noGrp="1"/>
           </p:cNvSpPr>
@@ -1835,22 +1597,15 @@
           <a:lstStyle/>
           <a:p>
             <a:fld id="{1497EADB-9B64-4DC6-B8C2-628A36AC1E90}" type="datetimeFigureOut">
-              <a:rPr lang="fr-MA" smtClean="0"/>
-              <a:t>26/11/2024</a:t>
+              <a:rPr lang="en-US" smtClean="0"/>
             </a:fld>
-            <a:endParaRPr lang="fr-MA"/>
-          </a:p>
-        </p:txBody>
-      </p:sp>
-      <p:sp>
-        <p:nvSpPr>
-          <p:cNvPr id="8" name="Espace réservé du pied de page 7">
-            <a:extLst>
-              <a:ext uri="{FF2B5EF4-FFF2-40B4-BE49-F238E27FC236}">
-                <a16:creationId xmlns:a16="http://schemas.microsoft.com/office/drawing/2014/main" id="{D7DC21BE-33D5-CA3E-9A12-DC1C6D540094}"/>
-              </a:ext>
-            </a:extLst>
-          </p:cNvPr>
+            <a:endParaRPr lang="en-US"/>
+          </a:p>
+        </p:txBody>
+      </p:sp>
+      <p:sp>
+        <p:nvSpPr>
+          <p:cNvPr id="8" name="Espace réservé du pied de page 7"/>
           <p:cNvSpPr>
             <a:spLocks noGrp="1"/>
           </p:cNvSpPr>
@@ -1863,19 +1618,13 @@
           <a:bodyPr/>
           <a:lstStyle/>
           <a:p>
-            <a:endParaRPr lang="fr-MA"/>
-          </a:p>
-        </p:txBody>
-      </p:sp>
-      <p:sp>
-        <p:nvSpPr>
-          <p:cNvPr id="9" name="Espace réservé du numéro de diapositive 8">
-            <a:extLst>
-              <a:ext uri="{FF2B5EF4-FFF2-40B4-BE49-F238E27FC236}">
-                <a16:creationId xmlns:a16="http://schemas.microsoft.com/office/drawing/2014/main" id="{79F4C78C-CDB6-27AB-86E7-766D593925CD}"/>
-              </a:ext>
-            </a:extLst>
-          </p:cNvPr>
+            <a:endParaRPr lang="en-US"/>
+          </a:p>
+        </p:txBody>
+      </p:sp>
+      <p:sp>
+        <p:nvSpPr>
+          <p:cNvPr id="9" name="Espace réservé du numéro de diapositive 8"/>
           <p:cNvSpPr>
             <a:spLocks noGrp="1"/>
           </p:cNvSpPr>
@@ -1889,19 +1638,13 @@
           <a:lstStyle/>
           <a:p>
             <a:fld id="{A524A520-B5EC-4575-A47B-6678F62A2446}" type="slidenum">
-              <a:rPr lang="fr-MA" smtClean="0"/>
-              <a:t>‹N°›</a:t>
+              <a:rPr lang="en-US" smtClean="0"/>
             </a:fld>
-            <a:endParaRPr lang="fr-MA"/>
+            <a:endParaRPr lang="en-US"/>
           </a:p>
         </p:txBody>
       </p:sp>
     </p:spTree>
-    <p:extLst>
-      <p:ext uri="{BB962C8B-B14F-4D97-AF65-F5344CB8AC3E}">
-        <p14:creationId xmlns:p14="http://schemas.microsoft.com/office/powerpoint/2010/main" val="3550507560"/>
-      </p:ext>
-    </p:extLst>
   </p:cSld>
   <p:clrMapOvr>
     <a:masterClrMapping/>
@@ -1928,13 +1671,7 @@
       </p:grpSpPr>
       <p:sp>
         <p:nvSpPr>
-          <p:cNvPr id="2" name="Titre 1">
-            <a:extLst>
-              <a:ext uri="{FF2B5EF4-FFF2-40B4-BE49-F238E27FC236}">
-                <a16:creationId xmlns:a16="http://schemas.microsoft.com/office/drawing/2014/main" id="{9882C1F8-E7F7-F423-3B10-5E18CFCB4FC5}"/>
-              </a:ext>
-            </a:extLst>
-          </p:cNvPr>
+          <p:cNvPr id="2" name="Titre 1"/>
           <p:cNvSpPr>
             <a:spLocks noGrp="1"/>
           </p:cNvSpPr>
@@ -1951,19 +1688,13 @@
               <a:rPr lang="fr-FR"/>
               <a:t>Modifiez le style du titre</a:t>
             </a:r>
-            <a:endParaRPr lang="fr-MA"/>
-          </a:p>
-        </p:txBody>
-      </p:sp>
-      <p:sp>
-        <p:nvSpPr>
-          <p:cNvPr id="3" name="Espace réservé de la date 2">
-            <a:extLst>
-              <a:ext uri="{FF2B5EF4-FFF2-40B4-BE49-F238E27FC236}">
-                <a16:creationId xmlns:a16="http://schemas.microsoft.com/office/drawing/2014/main" id="{16CC8C7F-3BD5-08D9-9417-5D2E48DA8DE8}"/>
-              </a:ext>
-            </a:extLst>
-          </p:cNvPr>
+            <a:endParaRPr lang="en-US"/>
+          </a:p>
+        </p:txBody>
+      </p:sp>
+      <p:sp>
+        <p:nvSpPr>
+          <p:cNvPr id="3" name="Espace réservé de la date 2"/>
           <p:cNvSpPr>
             <a:spLocks noGrp="1"/>
           </p:cNvSpPr>
@@ -1977,22 +1708,15 @@
           <a:lstStyle/>
           <a:p>
             <a:fld id="{1497EADB-9B64-4DC6-B8C2-628A36AC1E90}" type="datetimeFigureOut">
-              <a:rPr lang="fr-MA" smtClean="0"/>
-              <a:t>26/11/2024</a:t>
+              <a:rPr lang="en-US" smtClean="0"/>
             </a:fld>
-            <a:endParaRPr lang="fr-MA"/>
-          </a:p>
-        </p:txBody>
-      </p:sp>
-      <p:sp>
-        <p:nvSpPr>
-          <p:cNvPr id="4" name="Espace réservé du pied de page 3">
-            <a:extLst>
-              <a:ext uri="{FF2B5EF4-FFF2-40B4-BE49-F238E27FC236}">
-                <a16:creationId xmlns:a16="http://schemas.microsoft.com/office/drawing/2014/main" id="{E616E45C-37ED-DD65-1DA5-DFBD651CBCDB}"/>
-              </a:ext>
-            </a:extLst>
-          </p:cNvPr>
+            <a:endParaRPr lang="en-US"/>
+          </a:p>
+        </p:txBody>
+      </p:sp>
+      <p:sp>
+        <p:nvSpPr>
+          <p:cNvPr id="4" name="Espace réservé du pied de page 3"/>
           <p:cNvSpPr>
             <a:spLocks noGrp="1"/>
           </p:cNvSpPr>
@@ -2005,19 +1729,13 @@
           <a:bodyPr/>
           <a:lstStyle/>
           <a:p>
-            <a:endParaRPr lang="fr-MA"/>
-          </a:p>
-        </p:txBody>
-      </p:sp>
-      <p:sp>
-        <p:nvSpPr>
-          <p:cNvPr id="5" name="Espace réservé du numéro de diapositive 4">
-            <a:extLst>
-              <a:ext uri="{FF2B5EF4-FFF2-40B4-BE49-F238E27FC236}">
-                <a16:creationId xmlns:a16="http://schemas.microsoft.com/office/drawing/2014/main" id="{33C17392-3BE0-6A44-61C4-B686638118DB}"/>
-              </a:ext>
-            </a:extLst>
-          </p:cNvPr>
+            <a:endParaRPr lang="en-US"/>
+          </a:p>
+        </p:txBody>
+      </p:sp>
+      <p:sp>
+        <p:nvSpPr>
+          <p:cNvPr id="5" name="Espace réservé du numéro de diapositive 4"/>
           <p:cNvSpPr>
             <a:spLocks noGrp="1"/>
           </p:cNvSpPr>
@@ -2031,19 +1749,13 @@
           <a:lstStyle/>
           <a:p>
             <a:fld id="{A524A520-B5EC-4575-A47B-6678F62A2446}" type="slidenum">
-              <a:rPr lang="fr-MA" smtClean="0"/>
-              <a:t>‹N°›</a:t>
+              <a:rPr lang="en-US" smtClean="0"/>
             </a:fld>
-            <a:endParaRPr lang="fr-MA"/>
+            <a:endParaRPr lang="en-US"/>
           </a:p>
         </p:txBody>
       </p:sp>
     </p:spTree>
-    <p:extLst>
-      <p:ext uri="{BB962C8B-B14F-4D97-AF65-F5344CB8AC3E}">
-        <p14:creationId xmlns:p14="http://schemas.microsoft.com/office/powerpoint/2010/main" val="814566051"/>
-      </p:ext>
-    </p:extLst>
   </p:cSld>
   <p:clrMapOvr>
     <a:masterClrMapping/>
@@ -2070,13 +1782,7 @@
       </p:grpSpPr>
       <p:sp>
         <p:nvSpPr>
-          <p:cNvPr id="2" name="Espace réservé de la date 1">
-            <a:extLst>
-              <a:ext uri="{FF2B5EF4-FFF2-40B4-BE49-F238E27FC236}">
-                <a16:creationId xmlns:a16="http://schemas.microsoft.com/office/drawing/2014/main" id="{907C113D-308F-1048-D3A9-5C7F921B0ACC}"/>
-              </a:ext>
-            </a:extLst>
-          </p:cNvPr>
+          <p:cNvPr id="2" name="Espace réservé de la date 1"/>
           <p:cNvSpPr>
             <a:spLocks noGrp="1"/>
           </p:cNvSpPr>
@@ -2090,22 +1796,15 @@
           <a:lstStyle/>
           <a:p>
             <a:fld id="{1497EADB-9B64-4DC6-B8C2-628A36AC1E90}" type="datetimeFigureOut">
-              <a:rPr lang="fr-MA" smtClean="0"/>
-              <a:t>26/11/2024</a:t>
+              <a:rPr lang="en-US" smtClean="0"/>
             </a:fld>
-            <a:endParaRPr lang="fr-MA"/>
-          </a:p>
-        </p:txBody>
-      </p:sp>
-      <p:sp>
-        <p:nvSpPr>
-          <p:cNvPr id="3" name="Espace réservé du pied de page 2">
-            <a:extLst>
-              <a:ext uri="{FF2B5EF4-FFF2-40B4-BE49-F238E27FC236}">
-                <a16:creationId xmlns:a16="http://schemas.microsoft.com/office/drawing/2014/main" id="{94375519-3F8C-49B7-7618-F5A4497184BB}"/>
-              </a:ext>
-            </a:extLst>
-          </p:cNvPr>
+            <a:endParaRPr lang="en-US"/>
+          </a:p>
+        </p:txBody>
+      </p:sp>
+      <p:sp>
+        <p:nvSpPr>
+          <p:cNvPr id="3" name="Espace réservé du pied de page 2"/>
           <p:cNvSpPr>
             <a:spLocks noGrp="1"/>
           </p:cNvSpPr>
@@ -2118,19 +1817,13 @@
           <a:bodyPr/>
           <a:lstStyle/>
           <a:p>
-            <a:endParaRPr lang="fr-MA"/>
-          </a:p>
-        </p:txBody>
-      </p:sp>
-      <p:sp>
-        <p:nvSpPr>
-          <p:cNvPr id="4" name="Espace réservé du numéro de diapositive 3">
-            <a:extLst>
-              <a:ext uri="{FF2B5EF4-FFF2-40B4-BE49-F238E27FC236}">
-                <a16:creationId xmlns:a16="http://schemas.microsoft.com/office/drawing/2014/main" id="{D52291E0-EB69-617B-0EC8-9E91097E43C8}"/>
-              </a:ext>
-            </a:extLst>
-          </p:cNvPr>
+            <a:endParaRPr lang="en-US"/>
+          </a:p>
+        </p:txBody>
+      </p:sp>
+      <p:sp>
+        <p:nvSpPr>
+          <p:cNvPr id="4" name="Espace réservé du numéro de diapositive 3"/>
           <p:cNvSpPr>
             <a:spLocks noGrp="1"/>
           </p:cNvSpPr>
@@ -2144,19 +1837,13 @@
           <a:lstStyle/>
           <a:p>
             <a:fld id="{A524A520-B5EC-4575-A47B-6678F62A2446}" type="slidenum">
-              <a:rPr lang="fr-MA" smtClean="0"/>
-              <a:t>‹N°›</a:t>
+              <a:rPr lang="en-US" smtClean="0"/>
             </a:fld>
-            <a:endParaRPr lang="fr-MA"/>
+            <a:endParaRPr lang="en-US"/>
           </a:p>
         </p:txBody>
       </p:sp>
     </p:spTree>
-    <p:extLst>
-      <p:ext uri="{BB962C8B-B14F-4D97-AF65-F5344CB8AC3E}">
-        <p14:creationId xmlns:p14="http://schemas.microsoft.com/office/powerpoint/2010/main" val="960010867"/>
-      </p:ext>
-    </p:extLst>
   </p:cSld>
   <p:clrMapOvr>
     <a:masterClrMapping/>
@@ -2183,13 +1870,7 @@
       </p:grpSpPr>
       <p:sp>
         <p:nvSpPr>
-          <p:cNvPr id="2" name="Titre 1">
-            <a:extLst>
-              <a:ext uri="{FF2B5EF4-FFF2-40B4-BE49-F238E27FC236}">
-                <a16:creationId xmlns:a16="http://schemas.microsoft.com/office/drawing/2014/main" id="{772CDC00-B004-D3EF-2A3D-7C5E550FFCC1}"/>
-              </a:ext>
-            </a:extLst>
-          </p:cNvPr>
+          <p:cNvPr id="2" name="Titre 1"/>
           <p:cNvSpPr>
             <a:spLocks noGrp="1"/>
           </p:cNvSpPr>
@@ -2215,24 +1896,18 @@
               <a:rPr lang="fr-FR"/>
               <a:t>Modifiez le style du titre</a:t>
             </a:r>
-            <a:endParaRPr lang="fr-MA"/>
-          </a:p>
-        </p:txBody>
-      </p:sp>
-      <p:sp>
-        <p:nvSpPr>
-          <p:cNvPr id="3" name="Espace réservé du contenu 2">
-            <a:extLst>
-              <a:ext uri="{FF2B5EF4-FFF2-40B4-BE49-F238E27FC236}">
-                <a16:creationId xmlns:a16="http://schemas.microsoft.com/office/drawing/2014/main" id="{03C34B59-571B-F6BC-9660-373B9D206749}"/>
-              </a:ext>
-            </a:extLst>
-          </p:cNvPr>
-          <p:cNvSpPr>
-            <a:spLocks noGrp="1"/>
-          </p:cNvSpPr>
-          <p:nvPr>
-            <p:ph idx="1"/>
+            <a:endParaRPr lang="en-US"/>
+          </a:p>
+        </p:txBody>
+      </p:sp>
+      <p:sp>
+        <p:nvSpPr>
+          <p:cNvPr id="3" name="Espace réservé du contenu 2"/>
+          <p:cNvSpPr>
+            <a:spLocks noGrp="1"/>
+          </p:cNvSpPr>
+          <p:nvPr>
+            <p:ph idx="1" hasCustomPrompt="1"/>
           </p:nvPr>
         </p:nvSpPr>
         <p:spPr>
@@ -2278,6 +1953,7 @@
               <a:rPr lang="fr-FR"/>
               <a:t>Cliquez pour modifier les styles du texte du masque</a:t>
             </a:r>
+            <a:endParaRPr lang="fr-FR"/>
           </a:p>
           <a:p>
             <a:pPr lvl="1"/>
@@ -2285,6 +1961,7 @@
               <a:rPr lang="fr-FR"/>
               <a:t>Deuxième niveau</a:t>
             </a:r>
+            <a:endParaRPr lang="fr-FR"/>
           </a:p>
           <a:p>
             <a:pPr lvl="2"/>
@@ -2292,6 +1969,7 @@
               <a:rPr lang="fr-FR"/>
               <a:t>Troisième niveau</a:t>
             </a:r>
+            <a:endParaRPr lang="fr-FR"/>
           </a:p>
           <a:p>
             <a:pPr lvl="3"/>
@@ -2299,6 +1977,7 @@
               <a:rPr lang="fr-FR"/>
               <a:t>Quatrième niveau</a:t>
             </a:r>
+            <a:endParaRPr lang="fr-FR"/>
           </a:p>
           <a:p>
             <a:pPr lvl="4"/>
@@ -2306,24 +1985,18 @@
               <a:rPr lang="fr-FR"/>
               <a:t>Cinquième niveau</a:t>
             </a:r>
-            <a:endParaRPr lang="fr-MA"/>
-          </a:p>
-        </p:txBody>
-      </p:sp>
-      <p:sp>
-        <p:nvSpPr>
-          <p:cNvPr id="4" name="Espace réservé du texte 3">
-            <a:extLst>
-              <a:ext uri="{FF2B5EF4-FFF2-40B4-BE49-F238E27FC236}">
-                <a16:creationId xmlns:a16="http://schemas.microsoft.com/office/drawing/2014/main" id="{B533D3FE-E349-192B-E359-52E23AB3A21E}"/>
-              </a:ext>
-            </a:extLst>
-          </p:cNvPr>
-          <p:cNvSpPr>
-            <a:spLocks noGrp="1"/>
-          </p:cNvSpPr>
-          <p:nvPr>
-            <p:ph type="body" sz="half" idx="2"/>
+            <a:endParaRPr lang="en-US"/>
+          </a:p>
+        </p:txBody>
+      </p:sp>
+      <p:sp>
+        <p:nvSpPr>
+          <p:cNvPr id="4" name="Espace réservé du texte 3"/>
+          <p:cNvSpPr>
+            <a:spLocks noGrp="1"/>
+          </p:cNvSpPr>
+          <p:nvPr>
+            <p:ph type="body" sz="half" idx="2" hasCustomPrompt="1"/>
           </p:nvPr>
         </p:nvSpPr>
         <p:spPr>
@@ -2378,18 +2051,13 @@
               <a:rPr lang="fr-FR"/>
               <a:t>Cliquez pour modifier les styles du texte du masque</a:t>
             </a:r>
-          </a:p>
-        </p:txBody>
-      </p:sp>
-      <p:sp>
-        <p:nvSpPr>
-          <p:cNvPr id="5" name="Espace réservé de la date 4">
-            <a:extLst>
-              <a:ext uri="{FF2B5EF4-FFF2-40B4-BE49-F238E27FC236}">
-                <a16:creationId xmlns:a16="http://schemas.microsoft.com/office/drawing/2014/main" id="{61D23D91-B515-0E09-FE7D-8807285D64AA}"/>
-              </a:ext>
-            </a:extLst>
-          </p:cNvPr>
+            <a:endParaRPr lang="fr-FR"/>
+          </a:p>
+        </p:txBody>
+      </p:sp>
+      <p:sp>
+        <p:nvSpPr>
+          <p:cNvPr id="5" name="Espace réservé de la date 4"/>
           <p:cNvSpPr>
             <a:spLocks noGrp="1"/>
           </p:cNvSpPr>
@@ -2403,22 +2071,15 @@
           <a:lstStyle/>
           <a:p>
             <a:fld id="{1497EADB-9B64-4DC6-B8C2-628A36AC1E90}" type="datetimeFigureOut">
-              <a:rPr lang="fr-MA" smtClean="0"/>
-              <a:t>26/11/2024</a:t>
+              <a:rPr lang="en-US" smtClean="0"/>
             </a:fld>
-            <a:endParaRPr lang="fr-MA"/>
-          </a:p>
-        </p:txBody>
-      </p:sp>
-      <p:sp>
-        <p:nvSpPr>
-          <p:cNvPr id="6" name="Espace réservé du pied de page 5">
-            <a:extLst>
-              <a:ext uri="{FF2B5EF4-FFF2-40B4-BE49-F238E27FC236}">
-                <a16:creationId xmlns:a16="http://schemas.microsoft.com/office/drawing/2014/main" id="{509CBE27-20FD-457F-4752-3970C7CEA057}"/>
-              </a:ext>
-            </a:extLst>
-          </p:cNvPr>
+            <a:endParaRPr lang="en-US"/>
+          </a:p>
+        </p:txBody>
+      </p:sp>
+      <p:sp>
+        <p:nvSpPr>
+          <p:cNvPr id="6" name="Espace réservé du pied de page 5"/>
           <p:cNvSpPr>
             <a:spLocks noGrp="1"/>
           </p:cNvSpPr>
@@ -2431,19 +2092,13 @@
           <a:bodyPr/>
           <a:lstStyle/>
           <a:p>
-            <a:endParaRPr lang="fr-MA"/>
-          </a:p>
-        </p:txBody>
-      </p:sp>
-      <p:sp>
-        <p:nvSpPr>
-          <p:cNvPr id="7" name="Espace réservé du numéro de diapositive 6">
-            <a:extLst>
-              <a:ext uri="{FF2B5EF4-FFF2-40B4-BE49-F238E27FC236}">
-                <a16:creationId xmlns:a16="http://schemas.microsoft.com/office/drawing/2014/main" id="{CC2185DC-93CB-0808-8680-B2BEACFA2A38}"/>
-              </a:ext>
-            </a:extLst>
-          </p:cNvPr>
+            <a:endParaRPr lang="en-US"/>
+          </a:p>
+        </p:txBody>
+      </p:sp>
+      <p:sp>
+        <p:nvSpPr>
+          <p:cNvPr id="7" name="Espace réservé du numéro de diapositive 6"/>
           <p:cNvSpPr>
             <a:spLocks noGrp="1"/>
           </p:cNvSpPr>
@@ -2457,19 +2112,13 @@
           <a:lstStyle/>
           <a:p>
             <a:fld id="{A524A520-B5EC-4575-A47B-6678F62A2446}" type="slidenum">
-              <a:rPr lang="fr-MA" smtClean="0"/>
-              <a:t>‹N°›</a:t>
+              <a:rPr lang="en-US" smtClean="0"/>
             </a:fld>
-            <a:endParaRPr lang="fr-MA"/>
+            <a:endParaRPr lang="en-US"/>
           </a:p>
         </p:txBody>
       </p:sp>
     </p:spTree>
-    <p:extLst>
-      <p:ext uri="{BB962C8B-B14F-4D97-AF65-F5344CB8AC3E}">
-        <p14:creationId xmlns:p14="http://schemas.microsoft.com/office/powerpoint/2010/main" val="1236682472"/>
-      </p:ext>
-    </p:extLst>
   </p:cSld>
   <p:clrMapOvr>
     <a:masterClrMapping/>
@@ -2496,13 +2145,7 @@
       </p:grpSpPr>
       <p:sp>
         <p:nvSpPr>
-          <p:cNvPr id="2" name="Titre 1">
-            <a:extLst>
-              <a:ext uri="{FF2B5EF4-FFF2-40B4-BE49-F238E27FC236}">
-                <a16:creationId xmlns:a16="http://schemas.microsoft.com/office/drawing/2014/main" id="{1DE10B33-A5DF-8B4D-56F9-2BD2546CA725}"/>
-              </a:ext>
-            </a:extLst>
-          </p:cNvPr>
+          <p:cNvPr id="2" name="Titre 1"/>
           <p:cNvSpPr>
             <a:spLocks noGrp="1"/>
           </p:cNvSpPr>
@@ -2528,19 +2171,13 @@
               <a:rPr lang="fr-FR"/>
               <a:t>Modifiez le style du titre</a:t>
             </a:r>
-            <a:endParaRPr lang="fr-MA"/>
-          </a:p>
-        </p:txBody>
-      </p:sp>
-      <p:sp>
-        <p:nvSpPr>
-          <p:cNvPr id="3" name="Espace réservé pour une image  2">
-            <a:extLst>
-              <a:ext uri="{FF2B5EF4-FFF2-40B4-BE49-F238E27FC236}">
-                <a16:creationId xmlns:a16="http://schemas.microsoft.com/office/drawing/2014/main" id="{4BEF74FE-B260-C1F4-762C-AB38C6F384EE}"/>
-              </a:ext>
-            </a:extLst>
-          </p:cNvPr>
+            <a:endParaRPr lang="en-US"/>
+          </a:p>
+        </p:txBody>
+      </p:sp>
+      <p:sp>
+        <p:nvSpPr>
+          <p:cNvPr id="3" name="Espace réservé pour une image  2"/>
           <p:cNvSpPr>
             <a:spLocks noGrp="1"/>
           </p:cNvSpPr>
@@ -2595,24 +2232,18 @@
             </a:lvl9pPr>
           </a:lstStyle>
           <a:p>
-            <a:endParaRPr lang="fr-MA"/>
-          </a:p>
-        </p:txBody>
-      </p:sp>
-      <p:sp>
-        <p:nvSpPr>
-          <p:cNvPr id="4" name="Espace réservé du texte 3">
-            <a:extLst>
-              <a:ext uri="{FF2B5EF4-FFF2-40B4-BE49-F238E27FC236}">
-                <a16:creationId xmlns:a16="http://schemas.microsoft.com/office/drawing/2014/main" id="{0E001596-C250-2188-9721-C41BD8B5F13A}"/>
-              </a:ext>
-            </a:extLst>
-          </p:cNvPr>
-          <p:cNvSpPr>
-            <a:spLocks noGrp="1"/>
-          </p:cNvSpPr>
-          <p:nvPr>
-            <p:ph type="body" sz="half" idx="2"/>
+            <a:endParaRPr lang="en-US"/>
+          </a:p>
+        </p:txBody>
+      </p:sp>
+      <p:sp>
+        <p:nvSpPr>
+          <p:cNvPr id="4" name="Espace réservé du texte 3"/>
+          <p:cNvSpPr>
+            <a:spLocks noGrp="1"/>
+          </p:cNvSpPr>
+          <p:nvPr>
+            <p:ph type="body" sz="half" idx="2" hasCustomPrompt="1"/>
           </p:nvPr>
         </p:nvSpPr>
         <p:spPr>
@@ -2667,18 +2298,13 @@
               <a:rPr lang="fr-FR"/>
               <a:t>Cliquez pour modifier les styles du texte du masque</a:t>
             </a:r>
-          </a:p>
-        </p:txBody>
-      </p:sp>
-      <p:sp>
-        <p:nvSpPr>
-          <p:cNvPr id="5" name="Espace réservé de la date 4">
-            <a:extLst>
-              <a:ext uri="{FF2B5EF4-FFF2-40B4-BE49-F238E27FC236}">
-                <a16:creationId xmlns:a16="http://schemas.microsoft.com/office/drawing/2014/main" id="{B309A53C-22EE-F521-8B77-AFE2E7742A8E}"/>
-              </a:ext>
-            </a:extLst>
-          </p:cNvPr>
+            <a:endParaRPr lang="fr-FR"/>
+          </a:p>
+        </p:txBody>
+      </p:sp>
+      <p:sp>
+        <p:nvSpPr>
+          <p:cNvPr id="5" name="Espace réservé de la date 4"/>
           <p:cNvSpPr>
             <a:spLocks noGrp="1"/>
           </p:cNvSpPr>
@@ -2692,22 +2318,15 @@
           <a:lstStyle/>
           <a:p>
             <a:fld id="{1497EADB-9B64-4DC6-B8C2-628A36AC1E90}" type="datetimeFigureOut">
-              <a:rPr lang="fr-MA" smtClean="0"/>
-              <a:t>26/11/2024</a:t>
+              <a:rPr lang="en-US" smtClean="0"/>
             </a:fld>
-            <a:endParaRPr lang="fr-MA"/>
-          </a:p>
-        </p:txBody>
-      </p:sp>
-      <p:sp>
-        <p:nvSpPr>
-          <p:cNvPr id="6" name="Espace réservé du pied de page 5">
-            <a:extLst>
-              <a:ext uri="{FF2B5EF4-FFF2-40B4-BE49-F238E27FC236}">
-                <a16:creationId xmlns:a16="http://schemas.microsoft.com/office/drawing/2014/main" id="{A6F0B6ED-EBD6-FD4D-13B4-425E2133354F}"/>
-              </a:ext>
-            </a:extLst>
-          </p:cNvPr>
+            <a:endParaRPr lang="en-US"/>
+          </a:p>
+        </p:txBody>
+      </p:sp>
+      <p:sp>
+        <p:nvSpPr>
+          <p:cNvPr id="6" name="Espace réservé du pied de page 5"/>
           <p:cNvSpPr>
             <a:spLocks noGrp="1"/>
           </p:cNvSpPr>
@@ -2720,19 +2339,13 @@
           <a:bodyPr/>
           <a:lstStyle/>
           <a:p>
-            <a:endParaRPr lang="fr-MA"/>
-          </a:p>
-        </p:txBody>
-      </p:sp>
-      <p:sp>
-        <p:nvSpPr>
-          <p:cNvPr id="7" name="Espace réservé du numéro de diapositive 6">
-            <a:extLst>
-              <a:ext uri="{FF2B5EF4-FFF2-40B4-BE49-F238E27FC236}">
-                <a16:creationId xmlns:a16="http://schemas.microsoft.com/office/drawing/2014/main" id="{ED33F688-F642-FEDF-4494-EC6E104B4470}"/>
-              </a:ext>
-            </a:extLst>
-          </p:cNvPr>
+            <a:endParaRPr lang="en-US"/>
+          </a:p>
+        </p:txBody>
+      </p:sp>
+      <p:sp>
+        <p:nvSpPr>
+          <p:cNvPr id="7" name="Espace réservé du numéro de diapositive 6"/>
           <p:cNvSpPr>
             <a:spLocks noGrp="1"/>
           </p:cNvSpPr>
@@ -2746,19 +2359,13 @@
           <a:lstStyle/>
           <a:p>
             <a:fld id="{A524A520-B5EC-4575-A47B-6678F62A2446}" type="slidenum">
-              <a:rPr lang="fr-MA" smtClean="0"/>
-              <a:t>‹N°›</a:t>
+              <a:rPr lang="en-US" smtClean="0"/>
             </a:fld>
-            <a:endParaRPr lang="fr-MA"/>
+            <a:endParaRPr lang="en-US"/>
           </a:p>
         </p:txBody>
       </p:sp>
     </p:spTree>
-    <p:extLst>
-      <p:ext uri="{BB962C8B-B14F-4D97-AF65-F5344CB8AC3E}">
-        <p14:creationId xmlns:p14="http://schemas.microsoft.com/office/powerpoint/2010/main" val="1566760356"/>
-      </p:ext>
-    </p:extLst>
   </p:cSld>
   <p:clrMapOvr>
     <a:masterClrMapping/>
@@ -2790,13 +2397,7 @@
       </p:grpSpPr>
       <p:sp>
         <p:nvSpPr>
-          <p:cNvPr id="2" name="Espace réservé du titre 1">
-            <a:extLst>
-              <a:ext uri="{FF2B5EF4-FFF2-40B4-BE49-F238E27FC236}">
-                <a16:creationId xmlns:a16="http://schemas.microsoft.com/office/drawing/2014/main" id="{149ABD91-34EF-7717-246C-DC4ACBCB9AB9}"/>
-              </a:ext>
-            </a:extLst>
-          </p:cNvPr>
+          <p:cNvPr id="2" name="Espace réservé du titre 1"/>
           <p:cNvSpPr>
             <a:spLocks noGrp="1"/>
           </p:cNvSpPr>
@@ -2823,19 +2424,13 @@
               <a:rPr lang="fr-FR"/>
               <a:t>Modifiez le style du titre</a:t>
             </a:r>
-            <a:endParaRPr lang="fr-MA"/>
-          </a:p>
-        </p:txBody>
-      </p:sp>
-      <p:sp>
-        <p:nvSpPr>
-          <p:cNvPr id="3" name="Espace réservé du texte 2">
-            <a:extLst>
-              <a:ext uri="{FF2B5EF4-FFF2-40B4-BE49-F238E27FC236}">
-                <a16:creationId xmlns:a16="http://schemas.microsoft.com/office/drawing/2014/main" id="{28D71D87-9D64-1D20-6C2D-B4B0B4786CF6}"/>
-              </a:ext>
-            </a:extLst>
-          </p:cNvPr>
+            <a:endParaRPr lang="en-US"/>
+          </a:p>
+        </p:txBody>
+      </p:sp>
+      <p:sp>
+        <p:nvSpPr>
+          <p:cNvPr id="3" name="Espace réservé du texte 2"/>
           <p:cNvSpPr>
             <a:spLocks noGrp="1"/>
           </p:cNvSpPr>
@@ -2863,6 +2458,7 @@
               <a:rPr lang="fr-FR"/>
               <a:t>Cliquez pour modifier les styles du texte du masque</a:t>
             </a:r>
+            <a:endParaRPr lang="fr-FR"/>
           </a:p>
           <a:p>
             <a:pPr lvl="1"/>
@@ -2870,6 +2466,7 @@
               <a:rPr lang="fr-FR"/>
               <a:t>Deuxième niveau</a:t>
             </a:r>
+            <a:endParaRPr lang="fr-FR"/>
           </a:p>
           <a:p>
             <a:pPr lvl="2"/>
@@ -2877,6 +2474,7 @@
               <a:rPr lang="fr-FR"/>
               <a:t>Troisième niveau</a:t>
             </a:r>
+            <a:endParaRPr lang="fr-FR"/>
           </a:p>
           <a:p>
             <a:pPr lvl="3"/>
@@ -2884,6 +2482,7 @@
               <a:rPr lang="fr-FR"/>
               <a:t>Quatrième niveau</a:t>
             </a:r>
+            <a:endParaRPr lang="fr-FR"/>
           </a:p>
           <a:p>
             <a:pPr lvl="4"/>
@@ -2891,19 +2490,13 @@
               <a:rPr lang="fr-FR"/>
               <a:t>Cinquième niveau</a:t>
             </a:r>
-            <a:endParaRPr lang="fr-MA"/>
-          </a:p>
-        </p:txBody>
-      </p:sp>
-      <p:sp>
-        <p:nvSpPr>
-          <p:cNvPr id="4" name="Espace réservé de la date 3">
-            <a:extLst>
-              <a:ext uri="{FF2B5EF4-FFF2-40B4-BE49-F238E27FC236}">
-                <a16:creationId xmlns:a16="http://schemas.microsoft.com/office/drawing/2014/main" id="{6CBA4491-E5BB-3A2B-A153-E5CB4EB5659A}"/>
-              </a:ext>
-            </a:extLst>
-          </p:cNvPr>
+            <a:endParaRPr lang="en-US"/>
+          </a:p>
+        </p:txBody>
+      </p:sp>
+      <p:sp>
+        <p:nvSpPr>
+          <p:cNvPr id="4" name="Espace réservé de la date 3"/>
           <p:cNvSpPr>
             <a:spLocks noGrp="1"/>
           </p:cNvSpPr>
@@ -2935,22 +2528,15 @@
           </a:lstStyle>
           <a:p>
             <a:fld id="{1497EADB-9B64-4DC6-B8C2-628A36AC1E90}" type="datetimeFigureOut">
-              <a:rPr lang="fr-MA" smtClean="0"/>
-              <a:t>26/11/2024</a:t>
+              <a:rPr lang="en-US" smtClean="0"/>
             </a:fld>
-            <a:endParaRPr lang="fr-MA"/>
-          </a:p>
-        </p:txBody>
-      </p:sp>
-      <p:sp>
-        <p:nvSpPr>
-          <p:cNvPr id="5" name="Espace réservé du pied de page 4">
-            <a:extLst>
-              <a:ext uri="{FF2B5EF4-FFF2-40B4-BE49-F238E27FC236}">
-                <a16:creationId xmlns:a16="http://schemas.microsoft.com/office/drawing/2014/main" id="{4513EC34-BCBE-CDCB-37B4-0F2057FB0410}"/>
-              </a:ext>
-            </a:extLst>
-          </p:cNvPr>
+            <a:endParaRPr lang="en-US"/>
+          </a:p>
+        </p:txBody>
+      </p:sp>
+      <p:sp>
+        <p:nvSpPr>
+          <p:cNvPr id="5" name="Espace réservé du pied de page 4"/>
           <p:cNvSpPr>
             <a:spLocks noGrp="1"/>
           </p:cNvSpPr>
@@ -2981,19 +2567,13 @@
             </a:lvl1pPr>
           </a:lstStyle>
           <a:p>
-            <a:endParaRPr lang="fr-MA"/>
-          </a:p>
-        </p:txBody>
-      </p:sp>
-      <p:sp>
-        <p:nvSpPr>
-          <p:cNvPr id="6" name="Espace réservé du numéro de diapositive 5">
-            <a:extLst>
-              <a:ext uri="{FF2B5EF4-FFF2-40B4-BE49-F238E27FC236}">
-                <a16:creationId xmlns:a16="http://schemas.microsoft.com/office/drawing/2014/main" id="{E945771C-9CE1-48BB-D78B-83EE7A41959F}"/>
-              </a:ext>
-            </a:extLst>
-          </p:cNvPr>
+            <a:endParaRPr lang="en-US"/>
+          </a:p>
+        </p:txBody>
+      </p:sp>
+      <p:sp>
+        <p:nvSpPr>
+          <p:cNvPr id="6" name="Espace réservé du numéro de diapositive 5"/>
           <p:cNvSpPr>
             <a:spLocks noGrp="1"/>
           </p:cNvSpPr>
@@ -3025,19 +2605,13 @@
           </a:lstStyle>
           <a:p>
             <a:fld id="{A524A520-B5EC-4575-A47B-6678F62A2446}" type="slidenum">
-              <a:rPr lang="fr-MA" smtClean="0"/>
-              <a:t>‹N°›</a:t>
+              <a:rPr lang="en-US" smtClean="0"/>
             </a:fld>
-            <a:endParaRPr lang="fr-MA"/>
+            <a:endParaRPr lang="en-US"/>
           </a:p>
         </p:txBody>
       </p:sp>
     </p:spTree>
-    <p:extLst>
-      <p:ext uri="{BB962C8B-B14F-4D97-AF65-F5344CB8AC3E}">
-        <p14:creationId xmlns:p14="http://schemas.microsoft.com/office/powerpoint/2010/main" val="2628676245"/>
-      </p:ext>
-    </p:extLst>
   </p:cSld>
   <p:clrMap bg1="lt1" tx1="dk1" bg2="lt2" tx2="dk2" accent1="accent1" accent2="accent2" accent3="accent3" accent4="accent4" accent5="accent5" accent6="accent6" hlink="hlink" folHlink="folHlink"/>
   <p:sldLayoutIdLst>
@@ -3355,13 +2929,7 @@
       </p:grpSpPr>
       <p:sp>
         <p:nvSpPr>
-          <p:cNvPr id="2" name="Titre 1">
-            <a:extLst>
-              <a:ext uri="{FF2B5EF4-FFF2-40B4-BE49-F238E27FC236}">
-                <a16:creationId xmlns:a16="http://schemas.microsoft.com/office/drawing/2014/main" id="{662FB619-4881-1B11-59C0-592617734C03}"/>
-              </a:ext>
-            </a:extLst>
-          </p:cNvPr>
+          <p:cNvPr id="2" name="Titre 1"/>
           <p:cNvSpPr>
             <a:spLocks noGrp="1"/>
           </p:cNvSpPr>
@@ -3383,19 +2951,13 @@
             <a:br>
               <a:rPr lang="nb-NO" dirty="0"/>
             </a:br>
-            <a:endParaRPr lang="fr-MA" dirty="0"/>
-          </a:p>
-        </p:txBody>
-      </p:sp>
-      <p:sp>
-        <p:nvSpPr>
-          <p:cNvPr id="3" name="Sous-titre 2">
-            <a:extLst>
-              <a:ext uri="{FF2B5EF4-FFF2-40B4-BE49-F238E27FC236}">
-                <a16:creationId xmlns:a16="http://schemas.microsoft.com/office/drawing/2014/main" id="{85420F29-4145-38E6-61A9-C93D07DE55FF}"/>
-              </a:ext>
-            </a:extLst>
-          </p:cNvPr>
+            <a:endParaRPr lang="en-US" dirty="0"/>
+          </a:p>
+        </p:txBody>
+      </p:sp>
+      <p:sp>
+        <p:nvSpPr>
+          <p:cNvPr id="3" name="Sous-titre 2"/>
           <p:cNvSpPr>
             <a:spLocks noGrp="1"/>
           </p:cNvSpPr>
@@ -3415,7 +2977,7 @@
               <a:t>Solving Business Problem |</a:t>
             </a:r>
             <a:r>
-              <a:rPr lang="fr-MA" sz="2000" i="0" dirty="0">
+              <a:rPr lang="en-US" sz="2000" i="0" dirty="0">
                 <a:solidFill>
                   <a:srgbClr val="0F0F0F"/>
                 </a:solidFill>
@@ -3424,18 +2986,20 @@
               </a:rPr>
               <a:t> Power BI, SQL &amp; Python</a:t>
             </a:r>
-          </a:p>
-          <a:p>
-            <a:endParaRPr lang="fr-MA" dirty="0"/>
+            <a:endParaRPr lang="en-US" sz="2000" i="0" dirty="0">
+              <a:solidFill>
+                <a:srgbClr val="0F0F0F"/>
+              </a:solidFill>
+              <a:effectLst/>
+              <a:latin typeface="+mj-lt"/>
+            </a:endParaRPr>
+          </a:p>
+          <a:p>
+            <a:endParaRPr lang="en-US" dirty="0"/>
           </a:p>
         </p:txBody>
       </p:sp>
     </p:spTree>
-    <p:extLst>
-      <p:ext uri="{BB962C8B-B14F-4D97-AF65-F5344CB8AC3E}">
-        <p14:creationId xmlns:p14="http://schemas.microsoft.com/office/powerpoint/2010/main" val="4249359582"/>
-      </p:ext>
-    </p:extLst>
   </p:cSld>
   <p:clrMapOvr>
     <a:masterClrMapping/>
@@ -3462,13 +3026,7 @@
       </p:grpSpPr>
       <p:sp>
         <p:nvSpPr>
-          <p:cNvPr id="4" name="Title 3">
-            <a:extLst>
-              <a:ext uri="{FF2B5EF4-FFF2-40B4-BE49-F238E27FC236}">
-                <a16:creationId xmlns:a16="http://schemas.microsoft.com/office/drawing/2014/main" id="{A541373F-6A73-4B5F-E4FC-95E89DA16583}"/>
-              </a:ext>
-            </a:extLst>
-          </p:cNvPr>
+          <p:cNvPr id="4" name="Title 3"/>
           <p:cNvSpPr>
             <a:spLocks noGrp="1"/>
           </p:cNvSpPr>
@@ -3491,13 +3049,7 @@
       </p:sp>
       <p:sp>
         <p:nvSpPr>
-          <p:cNvPr id="5" name="Content Placeholder 4">
-            <a:extLst>
-              <a:ext uri="{FF2B5EF4-FFF2-40B4-BE49-F238E27FC236}">
-                <a16:creationId xmlns:a16="http://schemas.microsoft.com/office/drawing/2014/main" id="{FFB07957-8AEC-E74B-74C4-5935935C9130}"/>
-              </a:ext>
-            </a:extLst>
-          </p:cNvPr>
+          <p:cNvPr id="5" name="Content Placeholder 4"/>
           <p:cNvSpPr>
             <a:spLocks noGrp="1"/>
           </p:cNvSpPr>
@@ -3530,6 +3082,7 @@
               <a:rPr lang="en-US" dirty="0"/>
               <a:t>, an online retail business, is facing reduced customer engagement and conversion rates despite launching several new online marketing campaigns. They are reaching out to you to help conduct a detailed analysis and identify areas for improvement in their marketing strategies.</a:t>
             </a:r>
+            <a:endParaRPr lang="en-US" dirty="0"/>
           </a:p>
           <a:p>
             <a:pPr>
@@ -3565,6 +3118,7 @@
               <a:rPr lang="en-US" dirty="0"/>
               <a:t> The number of customer interactions and engagement with the site and marketing content has declined.</a:t>
             </a:r>
+            <a:endParaRPr lang="en-US" dirty="0"/>
           </a:p>
           <a:p>
             <a:pPr lvl="1">
@@ -3580,6 +3134,7 @@
               <a:rPr lang="en-US" dirty="0"/>
               <a:t> Fewer site visitors are converting into paying customers.</a:t>
             </a:r>
+            <a:endParaRPr lang="en-US" dirty="0"/>
           </a:p>
           <a:p>
             <a:pPr lvl="1">
@@ -3595,6 +3150,7 @@
               <a:rPr lang="en-US" dirty="0"/>
               <a:t> Significant investments in marketing campaigns are not yielding expected returns.</a:t>
             </a:r>
+            <a:endParaRPr lang="en-US" dirty="0"/>
           </a:p>
           <a:p>
             <a:pPr lvl="1">
@@ -3610,15 +3166,11 @@
               <a:rPr lang="en-US" dirty="0"/>
               <a:t> Understanding customer opinions about products and services is crucial for improving engagement and conversions.</a:t>
             </a:r>
+            <a:endParaRPr lang="en-US" dirty="0"/>
           </a:p>
         </p:txBody>
       </p:sp>
     </p:spTree>
-    <p:extLst>
-      <p:ext uri="{BB962C8B-B14F-4D97-AF65-F5344CB8AC3E}">
-        <p14:creationId xmlns:p14="http://schemas.microsoft.com/office/powerpoint/2010/main" val="1239468500"/>
-      </p:ext>
-    </p:extLst>
   </p:cSld>
   <p:clrMapOvr>
     <a:masterClrMapping/>
@@ -3645,28 +3197,22 @@
       </p:grpSpPr>
       <p:pic>
         <p:nvPicPr>
-          <p:cNvPr id="5" name="Image 4">
-            <a:extLst>
-              <a:ext uri="{FF2B5EF4-FFF2-40B4-BE49-F238E27FC236}">
-                <a16:creationId xmlns:a16="http://schemas.microsoft.com/office/drawing/2014/main" id="{1A115563-CE2B-A76D-3C93-79CC75413AD9}"/>
-              </a:ext>
-            </a:extLst>
-          </p:cNvPr>
+          <p:cNvPr id="3" name="Picture 2"/>
           <p:cNvPicPr>
             <a:picLocks noChangeAspect="1"/>
           </p:cNvPicPr>
           <p:nvPr/>
         </p:nvPicPr>
         <p:blipFill>
-          <a:blip r:embed="rId2"/>
+          <a:blip r:embed="rId1"/>
           <a:stretch>
             <a:fillRect/>
           </a:stretch>
         </p:blipFill>
         <p:spPr>
           <a:xfrm>
-            <a:off x="4626792" y="1410761"/>
-            <a:ext cx="7174249" cy="4526411"/>
+            <a:off x="4482465" y="1691005"/>
+            <a:ext cx="7319010" cy="4290060"/>
           </a:xfrm>
           <a:prstGeom prst="rect">
             <a:avLst/>
@@ -3729,8 +3275,25 @@
             </a:r>
             <a:r>
               <a:rPr lang="en-US" sz="2000" dirty="0"/>
-              <a:t>The conversion rate demonstrated a strong rebound in December, reaching 10.2%, despite a notable dip to 5.0% in October.</a:t>
-            </a:r>
+              <a:t>The conversion rate demonstrated a strong rebound in December, reaching 10.</a:t>
+            </a:r>
+            <a:r>
+              <a:rPr lang="fr-FR" altLang="en-US" sz="2000" dirty="0"/>
+              <a:t>3</a:t>
+            </a:r>
+            <a:r>
+              <a:rPr lang="en-US" sz="2000" dirty="0"/>
+              <a:t>%, despite a notable dip to 5.</a:t>
+            </a:r>
+            <a:r>
+              <a:rPr lang="fr-FR" altLang="en-US" sz="2000" dirty="0"/>
+              <a:t>1</a:t>
+            </a:r>
+            <a:r>
+              <a:rPr lang="en-US" sz="2000" dirty="0"/>
+              <a:t>% in October.</a:t>
+            </a:r>
+            <a:endParaRPr lang="en-US" sz="2000" dirty="0"/>
           </a:p>
           <a:p>
             <a:pPr>
@@ -3742,6 +3305,7 @@
               <a:rPr lang="en-US" sz="2000" b="1" dirty="0"/>
               <a:t>Reduced Customer Engagement:</a:t>
             </a:r>
+            <a:endParaRPr lang="en-US" sz="2000" b="1" dirty="0"/>
           </a:p>
           <a:p>
             <a:pPr lvl="1">
@@ -3753,6 +3317,7 @@
               <a:rPr lang="en-US" sz="2000" dirty="0"/>
               <a:t>There is a decline in overall social media engagement, with views dropping throughout the year.</a:t>
             </a:r>
+            <a:endParaRPr lang="en-US" sz="2000" dirty="0"/>
           </a:p>
           <a:p>
             <a:pPr lvl="1">
@@ -3764,6 +3329,7 @@
               <a:rPr lang="en-US" sz="2000" dirty="0"/>
               <a:t>While clicks and likes are low compared to views, the click-through rate stands at 15.37%, meaning that engaged users are still interacting effectively.</a:t>
             </a:r>
+            <a:endParaRPr lang="en-US" sz="2000" dirty="0"/>
           </a:p>
           <a:p>
             <a:pPr>
@@ -3775,6 +3341,7 @@
               <a:rPr lang="en-US" sz="2000" b="1" dirty="0"/>
               <a:t>Customer Feedback Analysis:</a:t>
             </a:r>
+            <a:endParaRPr lang="en-US" sz="2000" b="1" dirty="0"/>
           </a:p>
           <a:p>
             <a:pPr lvl="1">
@@ -3786,6 +3353,7 @@
               <a:rPr lang="en-US" sz="2000" dirty="0"/>
               <a:t>Customer ratings have remained consistent, averaging around 3.7 throughout the year.</a:t>
             </a:r>
+            <a:endParaRPr lang="en-US" sz="2000" dirty="0"/>
           </a:p>
           <a:p>
             <a:pPr lvl="1">
@@ -3848,7 +3416,7 @@
         </p:nvSpPr>
         <p:spPr>
           <a:xfrm>
-            <a:off x="7287699" y="2021305"/>
+            <a:off x="7287699" y="1909545"/>
             <a:ext cx="1265034" cy="859399"/>
           </a:xfrm>
           <a:prstGeom prst="ellipse">
@@ -4029,25 +3597,20 @@
               <a:rPr lang="nb-NO" dirty="0"/>
               <a:t> Conversion Rates</a:t>
             </a:r>
+            <a:endParaRPr lang="nb-NO" dirty="0"/>
           </a:p>
         </p:txBody>
       </p:sp>
       <p:pic>
         <p:nvPicPr>
-          <p:cNvPr id="5" name="Image 4">
-            <a:extLst>
-              <a:ext uri="{FF2B5EF4-FFF2-40B4-BE49-F238E27FC236}">
-                <a16:creationId xmlns:a16="http://schemas.microsoft.com/office/drawing/2014/main" id="{F04AB4DE-FF9C-DAF3-110B-B7E82ABCD180}"/>
-              </a:ext>
-            </a:extLst>
-          </p:cNvPr>
+          <p:cNvPr id="5" name="Image 4"/>
           <p:cNvPicPr>
             <a:picLocks noChangeAspect="1"/>
           </p:cNvPicPr>
           <p:nvPr/>
         </p:nvPicPr>
         <p:blipFill>
-          <a:blip r:embed="rId2"/>
+          <a:blip r:embed="rId1"/>
           <a:stretch>
             <a:fillRect/>
           </a:stretch>
@@ -4093,6 +3656,7 @@
               <a:rPr lang="en-US" b="1" dirty="0"/>
               <a:t>General Conversion Trend:</a:t>
             </a:r>
+            <a:endParaRPr lang="en-US" b="1" dirty="0"/>
           </a:p>
           <a:p>
             <a:pPr lvl="1">
@@ -4104,6 +3668,7 @@
               <a:rPr lang="en-US" dirty="0"/>
               <a:t>Throughout the year, conversion rates varied, with higher numbers of products converting successfully in months like February and July. This suggests that while some products had strong seasonal peaks, there is potential to improve conversions in lower-performing months through targeted interventions.</a:t>
             </a:r>
+            <a:endParaRPr lang="en-US" dirty="0"/>
           </a:p>
           <a:p>
             <a:pPr>
@@ -4115,6 +3680,7 @@
               <a:rPr lang="en-US" b="1" dirty="0"/>
               <a:t>Lowest Conversion Month:</a:t>
             </a:r>
+            <a:endParaRPr lang="en-US" b="1" dirty="0"/>
           </a:p>
           <a:p>
             <a:pPr lvl="1">
@@ -4126,6 +3692,7 @@
               <a:rPr lang="en-US" dirty="0"/>
               <a:t>May experienced the lowest overall conversion rate at 4.3%, with no products standing out significantly in terms of conversion. This indicates a potential need to revisit marketing strategies or promotions during this period to boost performance.</a:t>
             </a:r>
+            <a:endParaRPr lang="en-US" dirty="0"/>
           </a:p>
           <a:p>
             <a:pPr>
@@ -4137,6 +3704,7 @@
               <a:rPr lang="en-US" b="1" dirty="0"/>
               <a:t>Highest Conversion Rates:</a:t>
             </a:r>
+            <a:endParaRPr lang="en-US" b="1" dirty="0"/>
           </a:p>
           <a:p>
             <a:pPr lvl="1">
@@ -4148,6 +3716,7 @@
               <a:rPr lang="en-US" dirty="0"/>
               <a:t>January recorded the highest overall conversion rate at 18.5%, driven significantly by the Ski Boots with a remarkable 150% conversion. This indicates a strong start to the year, likely fueled by seasonal demand and effective marketing strategies.</a:t>
             </a:r>
+            <a:endParaRPr lang="en-US" dirty="0"/>
           </a:p>
         </p:txBody>
       </p:sp>
@@ -4319,6 +3888,7 @@
               <a:rPr lang="en-US" b="1" dirty="0"/>
               <a:t>Declining Views:</a:t>
             </a:r>
+            <a:endParaRPr lang="en-US" b="1" dirty="0"/>
           </a:p>
           <a:p>
             <a:pPr lvl="1">
@@ -4330,6 +3900,7 @@
               <a:rPr lang="en-US" dirty="0"/>
               <a:t>Views peaked in February and July but declined from August and on, indicating reduced audience engagement in the later half of the year.</a:t>
             </a:r>
+            <a:endParaRPr lang="en-US" dirty="0"/>
           </a:p>
           <a:p>
             <a:pPr>
@@ -4341,6 +3912,7 @@
               <a:rPr lang="en-US" b="1" dirty="0"/>
               <a:t>Low Interaction Rates:</a:t>
             </a:r>
+            <a:endParaRPr lang="en-US" b="1" dirty="0"/>
           </a:p>
           <a:p>
             <a:pPr lvl="1">
@@ -4352,6 +3924,7 @@
               <a:rPr lang="en-US" dirty="0"/>
               <a:t>Clicks and likes remained consistently low compared to views, suggesting the need for more engaging content or stronger calls to action.</a:t>
             </a:r>
+            <a:endParaRPr lang="en-US" dirty="0"/>
           </a:p>
           <a:p>
             <a:pPr>
@@ -4363,6 +3936,7 @@
               <a:rPr lang="en-US" b="1" dirty="0"/>
               <a:t>Content Type Performance:</a:t>
             </a:r>
+            <a:endParaRPr lang="en-US" b="1" dirty="0"/>
           </a:p>
           <a:p>
             <a:pPr lvl="1">
@@ -4380,22 +3954,18 @@
       </p:sp>
       <p:pic>
         <p:nvPicPr>
-          <p:cNvPr id="14" name="Image 13">
-            <a:extLst>
-              <a:ext uri="{FF2B5EF4-FFF2-40B4-BE49-F238E27FC236}">
-                <a16:creationId xmlns:a16="http://schemas.microsoft.com/office/drawing/2014/main" id="{2835A154-D2AD-D435-6F9B-8F5DE2F4C12A}"/>
-              </a:ext>
-            </a:extLst>
-          </p:cNvPr>
+          <p:cNvPr id="14" name="Image 13"/>
           <p:cNvPicPr>
             <a:picLocks noChangeAspect="1"/>
           </p:cNvPicPr>
           <p:nvPr/>
         </p:nvPicPr>
         <p:blipFill>
-          <a:blip r:embed="rId2"/>
+          <a:blip r:embed="rId1"/>
           <a:srcRect r="50497"/>
-          <a:stretch/>
+          <a:stretch>
+            <a:fillRect/>
+          </a:stretch>
         </p:blipFill>
         <p:spPr>
           <a:xfrm>
@@ -4448,22 +4018,18 @@
       </p:cxnSp>
       <p:pic>
         <p:nvPicPr>
-          <p:cNvPr id="16" name="Image 15">
-            <a:extLst>
-              <a:ext uri="{FF2B5EF4-FFF2-40B4-BE49-F238E27FC236}">
-                <a16:creationId xmlns:a16="http://schemas.microsoft.com/office/drawing/2014/main" id="{E490CAA7-1CD0-B5B2-B240-A8D6E1E45117}"/>
-              </a:ext>
-            </a:extLst>
-          </p:cNvPr>
+          <p:cNvPr id="16" name="Image 15"/>
           <p:cNvPicPr>
             <a:picLocks noChangeAspect="1"/>
           </p:cNvPicPr>
           <p:nvPr/>
         </p:nvPicPr>
         <p:blipFill>
-          <a:blip r:embed="rId2"/>
+          <a:blip r:embed="rId1"/>
           <a:srcRect l="49075"/>
-          <a:stretch/>
+          <a:stretch>
+            <a:fillRect/>
+          </a:stretch>
         </p:blipFill>
         <p:spPr>
           <a:xfrm>
@@ -4523,6 +4089,7 @@
               <a:rPr lang="nb-NO" dirty="0"/>
               <a:t> Feedback Analysis</a:t>
             </a:r>
+            <a:endParaRPr lang="nb-NO" dirty="0"/>
           </a:p>
         </p:txBody>
       </p:sp>
@@ -4552,6 +4119,7 @@
               <a:rPr lang="en-US" b="1" dirty="0"/>
               <a:t>Customer Ratings Distribution:</a:t>
             </a:r>
+            <a:endParaRPr lang="en-US" b="1" dirty="0"/>
           </a:p>
           <a:p>
             <a:pPr lvl="1">
@@ -4563,6 +4131,7 @@
               <a:rPr lang="en-US" dirty="0"/>
               <a:t>The majority of customer reviews are in the higher ratings, with 140 reviews at 4 stars and 135 reviews at 5 stars, indicating overall positive feedback. Lower ratings (1-2 stars) account for a smaller proportion, with 26 reviews at 1 star and 57 reviews at 2 stars.</a:t>
             </a:r>
+            <a:endParaRPr lang="en-US" dirty="0"/>
           </a:p>
           <a:p>
             <a:pPr>
@@ -4574,6 +4143,7 @@
               <a:rPr lang="en-US" b="1" dirty="0"/>
               <a:t>Sentiment Analysis:</a:t>
             </a:r>
+            <a:endParaRPr lang="en-US" b="1" dirty="0"/>
           </a:p>
           <a:p>
             <a:pPr lvl="1">
@@ -4585,6 +4155,7 @@
               <a:rPr lang="en-US" dirty="0"/>
               <a:t>Positive sentiment dominates with 275 reviews, reflecting a generally satisfied customer base. Negative sentiment is present in 82 reviews, with a smaller number of mixed and neutral sentiments, suggesting some areas for improvement but overall strong customer approval.</a:t>
             </a:r>
+            <a:endParaRPr lang="en-US" dirty="0"/>
           </a:p>
           <a:p>
             <a:pPr>
@@ -4596,6 +4167,7 @@
               <a:rPr lang="en-US" b="1" dirty="0"/>
               <a:t>Opportunity for Improvement:</a:t>
             </a:r>
+            <a:endParaRPr lang="en-US" b="1" dirty="0"/>
           </a:p>
           <a:p>
             <a:pPr lvl="1">
@@ -4613,22 +4185,18 @@
       </p:sp>
       <p:pic>
         <p:nvPicPr>
-          <p:cNvPr id="5" name="Image 4">
-            <a:extLst>
-              <a:ext uri="{FF2B5EF4-FFF2-40B4-BE49-F238E27FC236}">
-                <a16:creationId xmlns:a16="http://schemas.microsoft.com/office/drawing/2014/main" id="{19326D0D-B155-CF19-944E-9E3530B8FDDE}"/>
-              </a:ext>
-            </a:extLst>
-          </p:cNvPr>
+          <p:cNvPr id="5" name="Image 4"/>
           <p:cNvPicPr>
             <a:picLocks noChangeAspect="1"/>
           </p:cNvPicPr>
           <p:nvPr/>
         </p:nvPicPr>
         <p:blipFill>
-          <a:blip r:embed="rId2"/>
+          <a:blip r:embed="rId1"/>
           <a:srcRect r="51282"/>
-          <a:stretch/>
+          <a:stretch>
+            <a:fillRect/>
+          </a:stretch>
         </p:blipFill>
         <p:spPr>
           <a:xfrm>
@@ -4642,22 +4210,18 @@
       </p:pic>
       <p:pic>
         <p:nvPicPr>
-          <p:cNvPr id="9" name="Image 8">
-            <a:extLst>
-              <a:ext uri="{FF2B5EF4-FFF2-40B4-BE49-F238E27FC236}">
-                <a16:creationId xmlns:a16="http://schemas.microsoft.com/office/drawing/2014/main" id="{AD1FF0C1-4164-B7A1-9995-F2602391ADFC}"/>
-              </a:ext>
-            </a:extLst>
-          </p:cNvPr>
+          <p:cNvPr id="9" name="Image 8"/>
           <p:cNvPicPr>
             <a:picLocks noChangeAspect="1"/>
           </p:cNvPicPr>
           <p:nvPr/>
         </p:nvPicPr>
         <p:blipFill>
-          <a:blip r:embed="rId2"/>
+          <a:blip r:embed="rId1"/>
           <a:srcRect l="48718"/>
-          <a:stretch/>
+          <a:stretch>
+            <a:fillRect/>
+          </a:stretch>
         </p:blipFill>
         <p:spPr>
           <a:xfrm>
@@ -4731,7 +4295,12 @@
             <p:ph type="body" idx="1"/>
           </p:nvPr>
         </p:nvSpPr>
-        <p:spPr/>
+        <p:spPr>
+          <a:xfrm>
+            <a:off x="839788" y="1458278"/>
+            <a:ext cx="5157787" cy="823912"/>
+          </a:xfrm>
+        </p:spPr>
         <p:txBody>
           <a:bodyPr/>
           <a:lstStyle/>
@@ -4756,7 +4325,7 @@
         </p:nvSpPr>
         <p:spPr>
           <a:xfrm>
-            <a:off x="839788" y="2505075"/>
+            <a:off x="839788" y="2282190"/>
             <a:ext cx="5157787" cy="3987800"/>
           </a:xfrm>
         </p:spPr>
@@ -4775,6 +4344,7 @@
               <a:rPr lang="en-US" b="1" dirty="0"/>
               <a:t>Increase Conversion Rates:</a:t>
             </a:r>
+            <a:endParaRPr lang="en-US" b="1" dirty="0"/>
           </a:p>
           <a:p>
             <a:pPr lvl="1">
@@ -4790,6 +4360,7 @@
               <a:rPr lang="en-US" dirty="0"/>
               <a:t>Identify factors impacting the conversion rate and provide recommendations to improve it.</a:t>
             </a:r>
+            <a:endParaRPr lang="en-US" dirty="0"/>
           </a:p>
           <a:p>
             <a:pPr lvl="1">
@@ -4805,6 +4376,7 @@
               <a:rPr lang="en-US" dirty="0"/>
               <a:t>Highlight key stages where visitors drop off and suggest improvements to optimize the conversion funnel.</a:t>
             </a:r>
+            <a:endParaRPr lang="en-US" dirty="0"/>
           </a:p>
           <a:p>
             <a:pPr>
@@ -4832,6 +4404,7 @@
               <a:rPr lang="en-US" dirty="0"/>
               <a:t> Determine which types of content drive the highest engagement. </a:t>
             </a:r>
+            <a:endParaRPr lang="en-US" dirty="0"/>
           </a:p>
           <a:p>
             <a:pPr lvl="1">
@@ -4847,6 +4420,7 @@
               <a:rPr lang="en-US" dirty="0"/>
               <a:t> Analyze interaction levels with different types of marketing content to inform better content strategies.</a:t>
             </a:r>
+            <a:endParaRPr lang="en-US" dirty="0"/>
           </a:p>
           <a:p>
             <a:pPr>
@@ -4874,6 +4448,7 @@
               <a:rPr lang="en-US" dirty="0"/>
               <a:t> Understand common themes in customer reviews and provide actionable insights.</a:t>
             </a:r>
+            <a:endParaRPr lang="en-US" dirty="0"/>
           </a:p>
           <a:p>
             <a:pPr lvl="1">
@@ -4889,6 +4464,7 @@
               <a:rPr lang="en-US" dirty="0"/>
               <a:t> Identify recurring positive and negative feedback to guide product and service improvements.</a:t>
             </a:r>
+            <a:endParaRPr lang="en-US" dirty="0"/>
           </a:p>
         </p:txBody>
       </p:sp>
@@ -4902,7 +4478,12 @@
             <p:ph type="body" sz="quarter" idx="3"/>
           </p:nvPr>
         </p:nvSpPr>
-        <p:spPr/>
+        <p:spPr>
+          <a:xfrm>
+            <a:off x="6172200" y="1458278"/>
+            <a:ext cx="5183188" cy="823912"/>
+          </a:xfrm>
+        </p:spPr>
         <p:txBody>
           <a:bodyPr/>
           <a:lstStyle/>
@@ -4927,7 +4508,7 @@
         </p:nvSpPr>
         <p:spPr>
           <a:xfrm>
-            <a:off x="6172200" y="2505075"/>
+            <a:off x="6172200" y="2282190"/>
             <a:ext cx="5183188" cy="4211984"/>
           </a:xfrm>
         </p:spPr>
@@ -4950,6 +4531,7 @@
               <a:rPr lang="nb-NO" sz="900" b="1" dirty="0"/>
               <a:t> Conversion Rates:</a:t>
             </a:r>
+            <a:endParaRPr lang="nb-NO" sz="900" b="1" dirty="0"/>
           </a:p>
           <a:p>
             <a:pPr lvl="1">
@@ -4965,6 +4547,64 @@
               <a:rPr lang="en-US" sz="900" dirty="0"/>
               <a:t>: Focus marketing efforts on products with demonstrated high conversion rates, such as Kayaks, Ski Boots, and Baseball Gloves. Implement seasonal promotions or personalized campaigns during peak months (e.g., January and September) to capitalize on these trends.</a:t>
             </a:r>
+            <a:endParaRPr lang="en-US" sz="900" dirty="0"/>
+          </a:p>
+          <a:p>
+            <a:pPr marL="457200" lvl="1" indent="0">
+              <a:lnSpc>
+                <a:spcPct val="120000"/>
+              </a:lnSpc>
+              <a:buNone/>
+            </a:pPr>
+            <a:endParaRPr lang="nb-NO" sz="900" dirty="0"/>
+          </a:p>
+          <a:p>
+            <a:pPr>
+              <a:lnSpc>
+                <a:spcPct val="120000"/>
+              </a:lnSpc>
+            </a:pPr>
+            <a:r>
+              <a:rPr lang="nb-NO" sz="900" b="1" dirty="0" err="1"/>
+              <a:t>Enhance</a:t>
+            </a:r>
+            <a:r>
+              <a:rPr lang="nb-NO" sz="900" b="1" dirty="0"/>
+              <a:t> </a:t>
+            </a:r>
+            <a:r>
+              <a:rPr lang="nb-NO" sz="900" b="1" dirty="0" err="1"/>
+              <a:t>Customer</a:t>
+            </a:r>
+            <a:r>
+              <a:rPr lang="nb-NO" sz="900" b="1" dirty="0"/>
+              <a:t> </a:t>
+            </a:r>
+            <a:r>
+              <a:rPr lang="nb-NO" sz="900" b="1" dirty="0" err="1"/>
+              <a:t>Engagement</a:t>
+            </a:r>
+            <a:r>
+              <a:rPr lang="nb-NO" sz="900" b="1" dirty="0"/>
+              <a:t>:</a:t>
+            </a:r>
+            <a:endParaRPr lang="nb-NO" sz="900" b="1" dirty="0"/>
+          </a:p>
+          <a:p>
+            <a:pPr lvl="1">
+              <a:lnSpc>
+                <a:spcPct val="120000"/>
+              </a:lnSpc>
+            </a:pPr>
+            <a:r>
+              <a:rPr lang="en-US" sz="900" u="sng" dirty="0"/>
+              <a:t>Revitalize Content Strategy</a:t>
+            </a:r>
+            <a:r>
+              <a:rPr lang="en-US" sz="900" dirty="0"/>
+              <a:t>: To turn around declining views and low interaction rates, experiment with more engaging content formats, such as interactive videos or user-generated content. Additionally, boost engagement by optimizing call-to-action placement in social media and blog content, particularly during historically lower-engagement months (September-December).</a:t>
+            </a:r>
+            <a:endParaRPr lang="en-US" sz="900" dirty="0"/>
           </a:p>
           <a:p>
             <a:pPr lvl="1">
@@ -4982,7 +4622,7 @@
             </a:pPr>
             <a:r>
               <a:rPr lang="nb-NO" sz="900" b="1" dirty="0" err="1"/>
-              <a:t>Enhance</a:t>
+              <a:t>Improve</a:t>
             </a:r>
             <a:r>
               <a:rPr lang="nb-NO" sz="900" b="1" dirty="0"/>
@@ -4994,62 +4634,9 @@
             </a:r>
             <a:r>
               <a:rPr lang="nb-NO" sz="900" b="1" dirty="0"/>
-              <a:t> </a:t>
-            </a:r>
-            <a:r>
-              <a:rPr lang="nb-NO" sz="900" b="1" dirty="0" err="1"/>
-              <a:t>Engagement</a:t>
-            </a:r>
-            <a:r>
-              <a:rPr lang="nb-NO" sz="900" b="1" dirty="0"/>
-              <a:t>:</a:t>
-            </a:r>
-          </a:p>
-          <a:p>
-            <a:pPr lvl="1">
-              <a:lnSpc>
-                <a:spcPct val="120000"/>
-              </a:lnSpc>
-            </a:pPr>
-            <a:r>
-              <a:rPr lang="en-US" sz="900" u="sng" dirty="0"/>
-              <a:t>Revitalize Content Strategy</a:t>
-            </a:r>
-            <a:r>
-              <a:rPr lang="en-US" sz="900" dirty="0"/>
-              <a:t>: To turn around declining views and low interaction rates, experiment with more engaging content formats, such as interactive videos or user-generated content. Additionally, boost engagement by optimizing call-to-action placement in social media and blog content, particularly during historically lower-engagement months (September-December).</a:t>
-            </a:r>
-          </a:p>
-          <a:p>
-            <a:pPr lvl="1">
-              <a:lnSpc>
-                <a:spcPct val="120000"/>
-              </a:lnSpc>
-            </a:pPr>
-            <a:endParaRPr lang="nb-NO" sz="900" dirty="0"/>
-          </a:p>
-          <a:p>
-            <a:pPr>
-              <a:lnSpc>
-                <a:spcPct val="120000"/>
-              </a:lnSpc>
-            </a:pPr>
-            <a:r>
-              <a:rPr lang="nb-NO" sz="900" b="1" dirty="0" err="1"/>
-              <a:t>Improve</a:t>
-            </a:r>
-            <a:r>
-              <a:rPr lang="nb-NO" sz="900" b="1" dirty="0"/>
-              <a:t> </a:t>
-            </a:r>
-            <a:r>
-              <a:rPr lang="nb-NO" sz="900" b="1" dirty="0" err="1"/>
-              <a:t>Customer</a:t>
-            </a:r>
-            <a:r>
-              <a:rPr lang="nb-NO" sz="900" b="1" dirty="0"/>
               <a:t> Feedback Scores:</a:t>
             </a:r>
+            <a:endParaRPr lang="nb-NO" sz="900" b="1" dirty="0"/>
           </a:p>
           <a:p>
             <a:pPr lvl="1">
@@ -5120,7 +4707,7 @@
     </a:clrScheme>
     <a:fontScheme name="Office">
       <a:majorFont>
-        <a:latin typeface="Calibri Light" panose="020F0302020204030204"/>
+        <a:latin typeface="Calibri Light"/>
         <a:ea typeface=""/>
         <a:cs typeface=""/>
         <a:font script="Jpan" typeface="游ゴシック Light"/>
@@ -5153,26 +4740,9 @@
         <a:font script="Viet" typeface="Times New Roman"/>
         <a:font script="Uigh" typeface="Microsoft Uighur"/>
         <a:font script="Geor" typeface="Sylfaen"/>
-        <a:font script="Armn" typeface="Arial"/>
-        <a:font script="Bugi" typeface="Leelawadee UI"/>
-        <a:font script="Bopo" typeface="Microsoft JhengHei"/>
-        <a:font script="Java" typeface="Javanese Text"/>
-        <a:font script="Lisu" typeface="Segoe UI"/>
-        <a:font script="Mymr" typeface="Myanmar Text"/>
-        <a:font script="Nkoo" typeface="Ebrima"/>
-        <a:font script="Olck" typeface="Nirmala UI"/>
-        <a:font script="Osma" typeface="Ebrima"/>
-        <a:font script="Phag" typeface="Phagspa"/>
-        <a:font script="Syrn" typeface="Estrangelo Edessa"/>
-        <a:font script="Syrj" typeface="Estrangelo Edessa"/>
-        <a:font script="Syre" typeface="Estrangelo Edessa"/>
-        <a:font script="Sora" typeface="Nirmala UI"/>
-        <a:font script="Tale" typeface="Microsoft Tai Le"/>
-        <a:font script="Talu" typeface="Microsoft New Tai Lue"/>
-        <a:font script="Tfng" typeface="Ebrima"/>
       </a:majorFont>
       <a:minorFont>
-        <a:latin typeface="Calibri" panose="020F0502020204030204"/>
+        <a:latin typeface="Calibri"/>
         <a:ea typeface=""/>
         <a:cs typeface=""/>
         <a:font script="Jpan" typeface="游ゴシック"/>
@@ -5205,23 +4775,6 @@
         <a:font script="Viet" typeface="Arial"/>
         <a:font script="Uigh" typeface="Microsoft Uighur"/>
         <a:font script="Geor" typeface="Sylfaen"/>
-        <a:font script="Armn" typeface="Arial"/>
-        <a:font script="Bugi" typeface="Leelawadee UI"/>
-        <a:font script="Bopo" typeface="Microsoft JhengHei"/>
-        <a:font script="Java" typeface="Javanese Text"/>
-        <a:font script="Lisu" typeface="Segoe UI"/>
-        <a:font script="Mymr" typeface="Myanmar Text"/>
-        <a:font script="Nkoo" typeface="Ebrima"/>
-        <a:font script="Olck" typeface="Nirmala UI"/>
-        <a:font script="Osma" typeface="Ebrima"/>
-        <a:font script="Phag" typeface="Phagspa"/>
-        <a:font script="Syrn" typeface="Estrangelo Edessa"/>
-        <a:font script="Syrj" typeface="Estrangelo Edessa"/>
-        <a:font script="Syre" typeface="Estrangelo Edessa"/>
-        <a:font script="Sora" typeface="Nirmala UI"/>
-        <a:font script="Tale" typeface="Microsoft Tai Le"/>
-        <a:font script="Talu" typeface="Microsoft New Tai Lue"/>
-        <a:font script="Tfng" typeface="Ebrima"/>
       </a:minorFont>
     </a:fontScheme>
     <a:fmtScheme name="Office">
@@ -5362,8 +4915,6 @@
       </a:bgFillStyleLst>
     </a:fmtScheme>
   </a:themeElements>
-  <a:objectDefaults/>
-  <a:extraClrSchemeLst/>
   <a:extLst>
     <a:ext uri="{05A4C25C-085E-4340-85A3-A5531E510DB2}">
       <thm15:themeFamily xmlns:thm15="http://schemas.microsoft.com/office/thememl/2012/main" name="Office Theme" id="{62F939B6-93AF-4DB8-9C6B-D6C7DFDC589F}" vid="{4A3C46E8-61CC-4603-A589-7422A47A8E4A}"/>

--- a/Marketing Analytics Business Case.pptx
+++ b/Marketing Analytics Business Case.pptx
@@ -4,14 +4,17 @@
   <p:sldMasterIdLst>
     <p:sldMasterId id="2147483648" r:id="rId1"/>
   </p:sldMasterIdLst>
+  <p:notesMasterIdLst>
+    <p:notesMasterId r:id="rId6"/>
+  </p:notesMasterIdLst>
   <p:sldIdLst>
     <p:sldId id="256" r:id="rId3"/>
     <p:sldId id="258" r:id="rId4"/>
-    <p:sldId id="259" r:id="rId5"/>
-    <p:sldId id="260" r:id="rId6"/>
-    <p:sldId id="261" r:id="rId7"/>
-    <p:sldId id="262" r:id="rId8"/>
-    <p:sldId id="263" r:id="rId9"/>
+    <p:sldId id="264" r:id="rId5"/>
+    <p:sldId id="260" r:id="rId7"/>
+    <p:sldId id="261" r:id="rId8"/>
+    <p:sldId id="262" r:id="rId9"/>
+    <p:sldId id="263" r:id="rId10"/>
   </p:sldIdLst>
   <p:sldSz cx="12192000" cy="6858000"/>
   <p:notesSz cx="6858000" cy="9144000"/>
@@ -111,6 +114,401 @@
     </a:lvl9pPr>
   </p:defaultTextStyle>
 </p:presentation>
+</file>
+
+<file path=ppt/notesMasters/notesMaster1.xml><?xml version="1.0" encoding="utf-8"?>
+<p:notesMaster xmlns:a="http://schemas.openxmlformats.org/drawingml/2006/main" xmlns:r="http://schemas.openxmlformats.org/officeDocument/2006/relationships" xmlns:p="http://schemas.openxmlformats.org/presentationml/2006/main">
+  <p:cSld>
+    <p:bg>
+      <p:bgRef idx="1001">
+        <a:schemeClr val="bg1"/>
+      </p:bgRef>
+    </p:bg>
+    <p:spTree>
+      <p:nvGrpSpPr>
+        <p:cNvPr id="1" name=""/>
+        <p:cNvGrpSpPr/>
+        <p:nvPr/>
+      </p:nvGrpSpPr>
+      <p:grpSpPr>
+        <a:xfrm>
+          <a:off x="0" y="0"/>
+          <a:ext cx="0" cy="0"/>
+          <a:chOff x="0" y="0"/>
+          <a:chExt cx="0" cy="0"/>
+        </a:xfrm>
+      </p:grpSpPr>
+      <p:sp>
+        <p:nvSpPr>
+          <p:cNvPr id="2" name="Header Placeholder 1"/>
+          <p:cNvSpPr>
+            <a:spLocks noGrp="1"/>
+          </p:cNvSpPr>
+          <p:nvPr>
+            <p:ph type="hdr" sz="quarter"/>
+          </p:nvPr>
+        </p:nvSpPr>
+        <p:spPr>
+          <a:xfrm>
+            <a:off x="0" y="0"/>
+            <a:ext cx="2971800" cy="458788"/>
+          </a:xfrm>
+          <a:prstGeom prst="rect">
+            <a:avLst/>
+          </a:prstGeom>
+        </p:spPr>
+        <p:txBody>
+          <a:bodyPr vert="horz" lIns="91440" tIns="45720" rIns="91440" bIns="45720" rtlCol="0"/>
+          <a:lstStyle>
+            <a:lvl1pPr algn="l">
+              <a:defRPr sz="1200"/>
+            </a:lvl1pPr>
+          </a:lstStyle>
+          <a:p>
+            <a:endParaRPr lang="en-US"/>
+          </a:p>
+        </p:txBody>
+      </p:sp>
+      <p:sp>
+        <p:nvSpPr>
+          <p:cNvPr id="3" name="Date Placeholder 2"/>
+          <p:cNvSpPr>
+            <a:spLocks noGrp="1"/>
+          </p:cNvSpPr>
+          <p:nvPr>
+            <p:ph type="dt" idx="1"/>
+          </p:nvPr>
+        </p:nvSpPr>
+        <p:spPr>
+          <a:xfrm>
+            <a:off x="3884613" y="0"/>
+            <a:ext cx="2971800" cy="458788"/>
+          </a:xfrm>
+          <a:prstGeom prst="rect">
+            <a:avLst/>
+          </a:prstGeom>
+        </p:spPr>
+        <p:txBody>
+          <a:bodyPr vert="horz" lIns="91440" tIns="45720" rIns="91440" bIns="45720" rtlCol="0"/>
+          <a:lstStyle>
+            <a:lvl1pPr algn="r">
+              <a:defRPr sz="1200"/>
+            </a:lvl1pPr>
+          </a:lstStyle>
+          <a:p>
+            <a:fld id="{3EFD42F7-718C-4B98-AAEC-167E6DDD60A7}" type="datetimeFigureOut">
+              <a:rPr lang="en-US" smtClean="0"/>
+            </a:fld>
+            <a:endParaRPr lang="en-US"/>
+          </a:p>
+        </p:txBody>
+      </p:sp>
+      <p:sp>
+        <p:nvSpPr>
+          <p:cNvPr id="4" name="Slide Image Placeholder 3"/>
+          <p:cNvSpPr>
+            <a:spLocks noGrp="1" noRot="1" noChangeAspect="1"/>
+          </p:cNvSpPr>
+          <p:nvPr>
+            <p:ph type="sldImg" idx="2"/>
+          </p:nvPr>
+        </p:nvSpPr>
+        <p:spPr>
+          <a:xfrm>
+            <a:off x="685800" y="1143000"/>
+            <a:ext cx="5486400" cy="3086100"/>
+          </a:xfrm>
+          <a:prstGeom prst="rect">
+            <a:avLst/>
+          </a:prstGeom>
+          <a:noFill/>
+          <a:ln w="12700">
+            <a:solidFill>
+              <a:prstClr val="black"/>
+            </a:solidFill>
+          </a:ln>
+        </p:spPr>
+        <p:txBody>
+          <a:bodyPr vert="horz" lIns="91440" tIns="45720" rIns="91440" bIns="45720" rtlCol="0" anchor="ctr"/>
+          <a:lstStyle/>
+          <a:p>
+            <a:endParaRPr lang="en-US"/>
+          </a:p>
+        </p:txBody>
+      </p:sp>
+      <p:sp>
+        <p:nvSpPr>
+          <p:cNvPr id="5" name="Notes Placeholder 4"/>
+          <p:cNvSpPr>
+            <a:spLocks noGrp="1"/>
+          </p:cNvSpPr>
+          <p:nvPr>
+            <p:ph type="body" sz="quarter" idx="3"/>
+          </p:nvPr>
+        </p:nvSpPr>
+        <p:spPr>
+          <a:xfrm>
+            <a:off x="685800" y="4400550"/>
+            <a:ext cx="5486400" cy="3600450"/>
+          </a:xfrm>
+          <a:prstGeom prst="rect">
+            <a:avLst/>
+          </a:prstGeom>
+        </p:spPr>
+        <p:txBody>
+          <a:bodyPr vert="horz" lIns="91440" tIns="45720" rIns="91440" bIns="45720" rtlCol="0"/>
+          <a:lstStyle/>
+          <a:p>
+            <a:pPr lvl="0"/>
+            <a:r>
+              <a:rPr lang="en-US" smtClean="0"/>
+              <a:t>Click to edit Master text styles</a:t>
+            </a:r>
+            <a:endParaRPr lang="en-US" smtClean="0"/>
+          </a:p>
+          <a:p>
+            <a:pPr lvl="1"/>
+            <a:r>
+              <a:rPr lang="en-US" smtClean="0"/>
+              <a:t>Second level</a:t>
+            </a:r>
+            <a:endParaRPr lang="en-US" smtClean="0"/>
+          </a:p>
+          <a:p>
+            <a:pPr lvl="2"/>
+            <a:r>
+              <a:rPr lang="en-US" smtClean="0"/>
+              <a:t>Third level</a:t>
+            </a:r>
+            <a:endParaRPr lang="en-US" smtClean="0"/>
+          </a:p>
+          <a:p>
+            <a:pPr lvl="3"/>
+            <a:r>
+              <a:rPr lang="en-US" smtClean="0"/>
+              <a:t>Fourth level</a:t>
+            </a:r>
+            <a:endParaRPr lang="en-US" smtClean="0"/>
+          </a:p>
+          <a:p>
+            <a:pPr lvl="4"/>
+            <a:r>
+              <a:rPr lang="en-US" smtClean="0"/>
+              <a:t>Fifth level</a:t>
+            </a:r>
+            <a:endParaRPr lang="en-US"/>
+          </a:p>
+        </p:txBody>
+      </p:sp>
+      <p:sp>
+        <p:nvSpPr>
+          <p:cNvPr id="6" name="Footer Placeholder 5"/>
+          <p:cNvSpPr>
+            <a:spLocks noGrp="1"/>
+          </p:cNvSpPr>
+          <p:nvPr>
+            <p:ph type="ftr" sz="quarter" idx="4"/>
+          </p:nvPr>
+        </p:nvSpPr>
+        <p:spPr>
+          <a:xfrm>
+            <a:off x="0" y="8685213"/>
+            <a:ext cx="2971800" cy="458787"/>
+          </a:xfrm>
+          <a:prstGeom prst="rect">
+            <a:avLst/>
+          </a:prstGeom>
+        </p:spPr>
+        <p:txBody>
+          <a:bodyPr vert="horz" lIns="91440" tIns="45720" rIns="91440" bIns="45720" rtlCol="0" anchor="b"/>
+          <a:lstStyle>
+            <a:lvl1pPr algn="l">
+              <a:defRPr sz="1200"/>
+            </a:lvl1pPr>
+          </a:lstStyle>
+          <a:p>
+            <a:endParaRPr lang="en-US"/>
+          </a:p>
+        </p:txBody>
+      </p:sp>
+      <p:sp>
+        <p:nvSpPr>
+          <p:cNvPr id="7" name="Slide Number Placeholder 6"/>
+          <p:cNvSpPr>
+            <a:spLocks noGrp="1"/>
+          </p:cNvSpPr>
+          <p:nvPr>
+            <p:ph type="sldNum" sz="quarter" idx="5"/>
+          </p:nvPr>
+        </p:nvSpPr>
+        <p:spPr>
+          <a:xfrm>
+            <a:off x="3884613" y="8685213"/>
+            <a:ext cx="2971800" cy="458787"/>
+          </a:xfrm>
+          <a:prstGeom prst="rect">
+            <a:avLst/>
+          </a:prstGeom>
+        </p:spPr>
+        <p:txBody>
+          <a:bodyPr vert="horz" lIns="91440" tIns="45720" rIns="91440" bIns="45720" rtlCol="0" anchor="b"/>
+          <a:lstStyle>
+            <a:lvl1pPr algn="r">
+              <a:defRPr sz="1200"/>
+            </a:lvl1pPr>
+          </a:lstStyle>
+          <a:p>
+            <a:fld id="{21B2AA4F-B828-4D7C-AFD3-893933DAFCB4}" type="slidenum">
+              <a:rPr lang="en-US" smtClean="0"/>
+            </a:fld>
+            <a:endParaRPr lang="en-US"/>
+          </a:p>
+        </p:txBody>
+      </p:sp>
+    </p:spTree>
+  </p:cSld>
+  <p:clrMap bg1="lt1" tx1="dk1" bg2="lt2" tx2="dk2" accent1="accent1" accent2="accent2" accent3="accent3" accent4="accent4" accent5="accent5" accent6="accent6" hlink="hlink" folHlink="folHlink"/>
+  <p:notesStyle>
+    <a:lvl1pPr marL="0" algn="l" defTabSz="914400" rtl="0" eaLnBrk="1" latinLnBrk="0" hangingPunct="1">
+      <a:defRPr sz="1200" kern="1200">
+        <a:solidFill>
+          <a:schemeClr val="tx1"/>
+        </a:solidFill>
+        <a:latin typeface="+mn-lt"/>
+        <a:ea typeface="+mn-ea"/>
+        <a:cs typeface="+mn-cs"/>
+      </a:defRPr>
+    </a:lvl1pPr>
+    <a:lvl2pPr marL="457200" algn="l" defTabSz="914400" rtl="0" eaLnBrk="1" latinLnBrk="0" hangingPunct="1">
+      <a:defRPr sz="1200" kern="1200">
+        <a:solidFill>
+          <a:schemeClr val="tx1"/>
+        </a:solidFill>
+        <a:latin typeface="+mn-lt"/>
+        <a:ea typeface="+mn-ea"/>
+        <a:cs typeface="+mn-cs"/>
+      </a:defRPr>
+    </a:lvl2pPr>
+    <a:lvl3pPr marL="914400" algn="l" defTabSz="914400" rtl="0" eaLnBrk="1" latinLnBrk="0" hangingPunct="1">
+      <a:defRPr sz="1200" kern="1200">
+        <a:solidFill>
+          <a:schemeClr val="tx1"/>
+        </a:solidFill>
+        <a:latin typeface="+mn-lt"/>
+        <a:ea typeface="+mn-ea"/>
+        <a:cs typeface="+mn-cs"/>
+      </a:defRPr>
+    </a:lvl3pPr>
+    <a:lvl4pPr marL="1371600" algn="l" defTabSz="914400" rtl="0" eaLnBrk="1" latinLnBrk="0" hangingPunct="1">
+      <a:defRPr sz="1200" kern="1200">
+        <a:solidFill>
+          <a:schemeClr val="tx1"/>
+        </a:solidFill>
+        <a:latin typeface="+mn-lt"/>
+        <a:ea typeface="+mn-ea"/>
+        <a:cs typeface="+mn-cs"/>
+      </a:defRPr>
+    </a:lvl4pPr>
+    <a:lvl5pPr marL="1828800" algn="l" defTabSz="914400" rtl="0" eaLnBrk="1" latinLnBrk="0" hangingPunct="1">
+      <a:defRPr sz="1200" kern="1200">
+        <a:solidFill>
+          <a:schemeClr val="tx1"/>
+        </a:solidFill>
+        <a:latin typeface="+mn-lt"/>
+        <a:ea typeface="+mn-ea"/>
+        <a:cs typeface="+mn-cs"/>
+      </a:defRPr>
+    </a:lvl5pPr>
+    <a:lvl6pPr marL="2286000" algn="l" defTabSz="914400" rtl="0" eaLnBrk="1" latinLnBrk="0" hangingPunct="1">
+      <a:defRPr sz="1200" kern="1200">
+        <a:solidFill>
+          <a:schemeClr val="tx1"/>
+        </a:solidFill>
+        <a:latin typeface="+mn-lt"/>
+        <a:ea typeface="+mn-ea"/>
+        <a:cs typeface="+mn-cs"/>
+      </a:defRPr>
+    </a:lvl6pPr>
+    <a:lvl7pPr marL="2743200" algn="l" defTabSz="914400" rtl="0" eaLnBrk="1" latinLnBrk="0" hangingPunct="1">
+      <a:defRPr sz="1200" kern="1200">
+        <a:solidFill>
+          <a:schemeClr val="tx1"/>
+        </a:solidFill>
+        <a:latin typeface="+mn-lt"/>
+        <a:ea typeface="+mn-ea"/>
+        <a:cs typeface="+mn-cs"/>
+      </a:defRPr>
+    </a:lvl7pPr>
+    <a:lvl8pPr marL="3200400" algn="l" defTabSz="914400" rtl="0" eaLnBrk="1" latinLnBrk="0" hangingPunct="1">
+      <a:defRPr sz="1200" kern="1200">
+        <a:solidFill>
+          <a:schemeClr val="tx1"/>
+        </a:solidFill>
+        <a:latin typeface="+mn-lt"/>
+        <a:ea typeface="+mn-ea"/>
+        <a:cs typeface="+mn-cs"/>
+      </a:defRPr>
+    </a:lvl8pPr>
+    <a:lvl9pPr marL="3657600" algn="l" defTabSz="914400" rtl="0" eaLnBrk="1" latinLnBrk="0" hangingPunct="1">
+      <a:defRPr sz="1200" kern="1200">
+        <a:solidFill>
+          <a:schemeClr val="tx1"/>
+        </a:solidFill>
+        <a:latin typeface="+mn-lt"/>
+        <a:ea typeface="+mn-ea"/>
+        <a:cs typeface="+mn-cs"/>
+      </a:defRPr>
+    </a:lvl9pPr>
+  </p:notesStyle>
+</p:notesMaster>
+</file>
+
+<file path=ppt/notesSlides/notesSlide1.xml><?xml version="1.0" encoding="utf-8"?>
+<p:notes xmlns:a="http://schemas.openxmlformats.org/drawingml/2006/main" xmlns:r="http://schemas.openxmlformats.org/officeDocument/2006/relationships" xmlns:p="http://schemas.openxmlformats.org/presentationml/2006/main">
+  <p:cSld>
+    <p:spTree>
+      <p:nvGrpSpPr>
+        <p:cNvPr id="1" name=""/>
+        <p:cNvGrpSpPr/>
+        <p:nvPr/>
+      </p:nvGrpSpPr>
+      <p:grpSpPr/>
+      <p:sp>
+        <p:nvSpPr>
+          <p:cNvPr id="2" name="Slide Image Placeholder 1"/>
+          <p:cNvSpPr>
+            <a:spLocks noGrp="1"/>
+          </p:cNvSpPr>
+          <p:nvPr>
+            <p:ph type="sldImg" idx="2"/>
+          </p:nvPr>
+        </p:nvSpPr>
+        <p:spPr/>
+      </p:sp>
+      <p:sp>
+        <p:nvSpPr>
+          <p:cNvPr id="3" name="Text Placeholder 2"/>
+          <p:cNvSpPr>
+            <a:spLocks noGrp="1"/>
+          </p:cNvSpPr>
+          <p:nvPr>
+            <p:ph type="body" idx="3"/>
+          </p:nvPr>
+        </p:nvSpPr>
+        <p:spPr/>
+        <p:txBody>
+          <a:bodyPr/>
+          <a:p>
+            <a:endParaRPr lang="en-US"/>
+          </a:p>
+        </p:txBody>
+      </p:sp>
+    </p:spTree>
+  </p:cSld>
+  <p:clrMapOvr>
+    <a:masterClrMapping/>
+  </p:clrMapOvr>
+</p:notes>
 </file>
 
 <file path=ppt/slideLayouts/slideLayout1.xml><?xml version="1.0" encoding="utf-8"?>
@@ -3197,7 +3595,7 @@
       </p:grpSpPr>
       <p:pic>
         <p:nvPicPr>
-          <p:cNvPr id="3" name="Picture 2"/>
+          <p:cNvPr id="5" name="Picture 4" descr="Overview"/>
           <p:cNvPicPr>
             <a:picLocks noChangeAspect="1"/>
           </p:cNvPicPr>
@@ -3205,14 +3603,15 @@
         </p:nvPicPr>
         <p:blipFill>
           <a:blip r:embed="rId1"/>
+          <a:srcRect l="11219" t="7974" r="703" b="730"/>
           <a:stretch>
             <a:fillRect/>
           </a:stretch>
         </p:blipFill>
         <p:spPr>
           <a:xfrm>
-            <a:off x="4482465" y="1691005"/>
-            <a:ext cx="7319010" cy="4290060"/>
+            <a:off x="4565015" y="1769110"/>
+            <a:ext cx="7446010" cy="4326255"/>
           </a:xfrm>
           <a:prstGeom prst="rect">
             <a:avLst/>
@@ -3574,36 +3973,9 @@
           <a:chExt cx="0" cy="0"/>
         </a:xfrm>
       </p:grpSpPr>
-      <p:sp>
-        <p:nvSpPr>
-          <p:cNvPr id="2" name="Title 1"/>
-          <p:cNvSpPr>
-            <a:spLocks noGrp="1"/>
-          </p:cNvSpPr>
-          <p:nvPr>
-            <p:ph type="title"/>
-          </p:nvPr>
-        </p:nvSpPr>
-        <p:spPr/>
-        <p:txBody>
-          <a:bodyPr/>
-          <a:lstStyle/>
-          <a:p>
-            <a:r>
-              <a:rPr lang="nb-NO" dirty="0" err="1"/>
-              <a:t>Decreased</a:t>
-            </a:r>
-            <a:r>
-              <a:rPr lang="nb-NO" dirty="0"/>
-              <a:t> Conversion Rates</a:t>
-            </a:r>
-            <a:endParaRPr lang="nb-NO" dirty="0"/>
-          </a:p>
-        </p:txBody>
-      </p:sp>
       <p:pic>
         <p:nvPicPr>
-          <p:cNvPr id="5" name="Image 4"/>
+          <p:cNvPr id="4" name="Picture 3"/>
           <p:cNvPicPr>
             <a:picLocks noChangeAspect="1"/>
           </p:cNvPicPr>
@@ -3617,14 +3989,41 @@
         </p:blipFill>
         <p:spPr>
           <a:xfrm>
-            <a:off x="5514749" y="2244748"/>
-            <a:ext cx="6158409" cy="3513092"/>
+            <a:off x="5476875" y="2159635"/>
+            <a:ext cx="5988050" cy="3625215"/>
           </a:xfrm>
           <a:prstGeom prst="rect">
             <a:avLst/>
           </a:prstGeom>
         </p:spPr>
       </p:pic>
+      <p:sp>
+        <p:nvSpPr>
+          <p:cNvPr id="2" name="Title 1"/>
+          <p:cNvSpPr>
+            <a:spLocks noGrp="1"/>
+          </p:cNvSpPr>
+          <p:nvPr>
+            <p:ph type="title"/>
+          </p:nvPr>
+        </p:nvSpPr>
+        <p:spPr/>
+        <p:txBody>
+          <a:bodyPr/>
+          <a:lstStyle/>
+          <a:p>
+            <a:r>
+              <a:rPr lang="nb-NO" dirty="0" err="1"/>
+              <a:t>Decreased</a:t>
+            </a:r>
+            <a:r>
+              <a:rPr lang="nb-NO" dirty="0"/>
+              <a:t> Conversion Rates</a:t>
+            </a:r>
+            <a:endParaRPr lang="nb-NO" dirty="0"/>
+          </a:p>
+        </p:txBody>
+      </p:sp>
       <p:sp>
         <p:nvSpPr>
           <p:cNvPr id="3" name="Content Placeholder 2"/>
@@ -3839,122 +4238,9 @@
           <a:chExt cx="0" cy="0"/>
         </a:xfrm>
       </p:grpSpPr>
-      <p:sp>
-        <p:nvSpPr>
-          <p:cNvPr id="2" name="Title 1"/>
-          <p:cNvSpPr>
-            <a:spLocks noGrp="1"/>
-          </p:cNvSpPr>
-          <p:nvPr>
-            <p:ph type="title"/>
-          </p:nvPr>
-        </p:nvSpPr>
-        <p:spPr/>
-        <p:txBody>
-          <a:bodyPr/>
-          <a:lstStyle/>
-          <a:p>
-            <a:r>
-              <a:rPr lang="en-US" dirty="0"/>
-              <a:t>Reduced Customer Engagement</a:t>
-            </a:r>
-            <a:endParaRPr lang="nb-NO" dirty="0"/>
-          </a:p>
-        </p:txBody>
-      </p:sp>
-      <p:sp>
-        <p:nvSpPr>
-          <p:cNvPr id="3" name="Content Placeholder 2"/>
-          <p:cNvSpPr>
-            <a:spLocks noGrp="1"/>
-          </p:cNvSpPr>
-          <p:nvPr>
-            <p:ph sz="half" idx="1"/>
-          </p:nvPr>
-        </p:nvSpPr>
-        <p:spPr/>
-        <p:txBody>
-          <a:bodyPr>
-            <a:normAutofit fontScale="55000" lnSpcReduction="20000"/>
-          </a:bodyPr>
-          <a:lstStyle/>
-          <a:p>
-            <a:pPr>
-              <a:lnSpc>
-                <a:spcPct val="170000"/>
-              </a:lnSpc>
-            </a:pPr>
-            <a:r>
-              <a:rPr lang="en-US" b="1" dirty="0"/>
-              <a:t>Declining Views:</a:t>
-            </a:r>
-            <a:endParaRPr lang="en-US" b="1" dirty="0"/>
-          </a:p>
-          <a:p>
-            <a:pPr lvl="1">
-              <a:lnSpc>
-                <a:spcPct val="170000"/>
-              </a:lnSpc>
-            </a:pPr>
-            <a:r>
-              <a:rPr lang="en-US" dirty="0"/>
-              <a:t>Views peaked in February and July but declined from August and on, indicating reduced audience engagement in the later half of the year.</a:t>
-            </a:r>
-            <a:endParaRPr lang="en-US" dirty="0"/>
-          </a:p>
-          <a:p>
-            <a:pPr>
-              <a:lnSpc>
-                <a:spcPct val="170000"/>
-              </a:lnSpc>
-            </a:pPr>
-            <a:r>
-              <a:rPr lang="en-US" b="1" dirty="0"/>
-              <a:t>Low Interaction Rates:</a:t>
-            </a:r>
-            <a:endParaRPr lang="en-US" b="1" dirty="0"/>
-          </a:p>
-          <a:p>
-            <a:pPr lvl="1">
-              <a:lnSpc>
-                <a:spcPct val="170000"/>
-              </a:lnSpc>
-            </a:pPr>
-            <a:r>
-              <a:rPr lang="en-US" dirty="0"/>
-              <a:t>Clicks and likes remained consistently low compared to views, suggesting the need for more engaging content or stronger calls to action.</a:t>
-            </a:r>
-            <a:endParaRPr lang="en-US" dirty="0"/>
-          </a:p>
-          <a:p>
-            <a:pPr>
-              <a:lnSpc>
-                <a:spcPct val="170000"/>
-              </a:lnSpc>
-            </a:pPr>
-            <a:r>
-              <a:rPr lang="en-US" b="1" dirty="0"/>
-              <a:t>Content Type Performance:</a:t>
-            </a:r>
-            <a:endParaRPr lang="en-US" b="1" dirty="0"/>
-          </a:p>
-          <a:p>
-            <a:pPr lvl="1">
-              <a:lnSpc>
-                <a:spcPct val="170000"/>
-              </a:lnSpc>
-            </a:pPr>
-            <a:r>
-              <a:rPr lang="en-US" dirty="0"/>
-              <a:t>Blog content drove the most views, especially in April and July, while social media and video content maintained steady but slightly lower engagement.</a:t>
-            </a:r>
-            <a:endParaRPr lang="nb-NO" dirty="0"/>
-          </a:p>
-        </p:txBody>
-      </p:sp>
       <p:pic>
         <p:nvPicPr>
-          <p:cNvPr id="14" name="Image 13"/>
+          <p:cNvPr id="5" name="Picture 4"/>
           <p:cNvPicPr>
             <a:picLocks noChangeAspect="1"/>
           </p:cNvPicPr>
@@ -3962,21 +4248,158 @@
         </p:nvPicPr>
         <p:blipFill>
           <a:blip r:embed="rId1"/>
-          <a:srcRect r="50497"/>
+          <a:srcRect l="49456"/>
           <a:stretch>
             <a:fillRect/>
           </a:stretch>
         </p:blipFill>
         <p:spPr>
           <a:xfrm>
-            <a:off x="6488348" y="1503398"/>
-            <a:ext cx="3715101" cy="2411933"/>
+            <a:off x="6395085" y="4147820"/>
+            <a:ext cx="3808095" cy="2345055"/>
           </a:xfrm>
           <a:prstGeom prst="rect">
             <a:avLst/>
           </a:prstGeom>
         </p:spPr>
       </p:pic>
+      <p:pic>
+        <p:nvPicPr>
+          <p:cNvPr id="7" name="Picture 6"/>
+          <p:cNvPicPr>
+            <a:picLocks noChangeAspect="1"/>
+          </p:cNvPicPr>
+          <p:nvPr/>
+        </p:nvPicPr>
+        <p:blipFill>
+          <a:blip r:embed="rId2"/>
+          <a:stretch>
+            <a:fillRect/>
+          </a:stretch>
+        </p:blipFill>
+        <p:spPr>
+          <a:xfrm>
+            <a:off x="6429375" y="1503680"/>
+            <a:ext cx="3773805" cy="2412365"/>
+          </a:xfrm>
+          <a:prstGeom prst="rect">
+            <a:avLst/>
+          </a:prstGeom>
+        </p:spPr>
+      </p:pic>
+      <p:sp>
+        <p:nvSpPr>
+          <p:cNvPr id="2" name="Title 1"/>
+          <p:cNvSpPr>
+            <a:spLocks noGrp="1"/>
+          </p:cNvSpPr>
+          <p:nvPr>
+            <p:ph type="title"/>
+          </p:nvPr>
+        </p:nvSpPr>
+        <p:spPr/>
+        <p:txBody>
+          <a:bodyPr/>
+          <a:lstStyle/>
+          <a:p>
+            <a:r>
+              <a:rPr lang="en-US" dirty="0"/>
+              <a:t>Reduced Customer Engagement</a:t>
+            </a:r>
+            <a:endParaRPr lang="nb-NO" dirty="0"/>
+          </a:p>
+        </p:txBody>
+      </p:sp>
+      <p:sp>
+        <p:nvSpPr>
+          <p:cNvPr id="3" name="Content Placeholder 2"/>
+          <p:cNvSpPr>
+            <a:spLocks noGrp="1"/>
+          </p:cNvSpPr>
+          <p:nvPr>
+            <p:ph sz="half" idx="1"/>
+          </p:nvPr>
+        </p:nvSpPr>
+        <p:spPr/>
+        <p:txBody>
+          <a:bodyPr>
+            <a:normAutofit fontScale="55000" lnSpcReduction="20000"/>
+          </a:bodyPr>
+          <a:lstStyle/>
+          <a:p>
+            <a:pPr>
+              <a:lnSpc>
+                <a:spcPct val="170000"/>
+              </a:lnSpc>
+            </a:pPr>
+            <a:r>
+              <a:rPr lang="en-US" b="1" dirty="0"/>
+              <a:t>Declining Views:</a:t>
+            </a:r>
+            <a:endParaRPr lang="en-US" b="1" dirty="0"/>
+          </a:p>
+          <a:p>
+            <a:pPr lvl="1">
+              <a:lnSpc>
+                <a:spcPct val="170000"/>
+              </a:lnSpc>
+            </a:pPr>
+            <a:r>
+              <a:rPr lang="en-US" dirty="0"/>
+              <a:t>Views peaked in February and July but declined from August and on, indicating reduced audience engagement in the later half of the year.</a:t>
+            </a:r>
+            <a:endParaRPr lang="en-US" dirty="0"/>
+          </a:p>
+          <a:p>
+            <a:pPr>
+              <a:lnSpc>
+                <a:spcPct val="170000"/>
+              </a:lnSpc>
+            </a:pPr>
+            <a:r>
+              <a:rPr lang="en-US" b="1" dirty="0"/>
+              <a:t>Low Interaction Rates:</a:t>
+            </a:r>
+            <a:endParaRPr lang="en-US" b="1" dirty="0"/>
+          </a:p>
+          <a:p>
+            <a:pPr lvl="1">
+              <a:lnSpc>
+                <a:spcPct val="170000"/>
+              </a:lnSpc>
+            </a:pPr>
+            <a:r>
+              <a:rPr lang="en-US" dirty="0"/>
+              <a:t>Clicks and likes remained consistently low compared to views, suggesting the need for more engaging content or stronger calls to action.</a:t>
+            </a:r>
+            <a:endParaRPr lang="en-US" dirty="0"/>
+          </a:p>
+          <a:p>
+            <a:pPr>
+              <a:lnSpc>
+                <a:spcPct val="170000"/>
+              </a:lnSpc>
+            </a:pPr>
+            <a:r>
+              <a:rPr lang="en-US" b="1" dirty="0"/>
+              <a:t>Content Type Performance:</a:t>
+            </a:r>
+            <a:endParaRPr lang="en-US" b="1" dirty="0"/>
+          </a:p>
+          <a:p>
+            <a:pPr lvl="1">
+              <a:lnSpc>
+                <a:spcPct val="170000"/>
+              </a:lnSpc>
+            </a:pPr>
+            <a:r>
+              <a:rPr lang="en-US" dirty="0"/>
+              <a:t>Blog content drove the most views, especially in April and July, while social media and video content maintained steady but slightly lower engagement.</a:t>
+            </a:r>
+            <a:endParaRPr lang="nb-NO" dirty="0"/>
+          </a:p>
+        </p:txBody>
+      </p:sp>
       <p:cxnSp>
         <p:nvCxnSpPr>
           <p:cNvPr id="9" name="Straight Arrow Connector 8"/>
@@ -4016,31 +4439,6 @@
           </a:fontRef>
         </p:style>
       </p:cxnSp>
-      <p:pic>
-        <p:nvPicPr>
-          <p:cNvPr id="16" name="Image 15"/>
-          <p:cNvPicPr>
-            <a:picLocks noChangeAspect="1"/>
-          </p:cNvPicPr>
-          <p:nvPr/>
-        </p:nvPicPr>
-        <p:blipFill>
-          <a:blip r:embed="rId1"/>
-          <a:srcRect l="49075"/>
-          <a:stretch>
-            <a:fillRect/>
-          </a:stretch>
-        </p:blipFill>
-        <p:spPr>
-          <a:xfrm>
-            <a:off x="6488348" y="4148264"/>
-            <a:ext cx="3715101" cy="2344611"/>
-          </a:xfrm>
-          <a:prstGeom prst="rect">
-            <a:avLst/>
-          </a:prstGeom>
-        </p:spPr>
-      </p:pic>
     </p:spTree>
   </p:cSld>
   <p:clrMapOvr>
@@ -4066,126 +4464,9 @@
           <a:chExt cx="0" cy="0"/>
         </a:xfrm>
       </p:grpSpPr>
-      <p:sp>
-        <p:nvSpPr>
-          <p:cNvPr id="2" name="Title 1"/>
-          <p:cNvSpPr>
-            <a:spLocks noGrp="1"/>
-          </p:cNvSpPr>
-          <p:nvPr>
-            <p:ph type="title"/>
-          </p:nvPr>
-        </p:nvSpPr>
-        <p:spPr/>
-        <p:txBody>
-          <a:bodyPr/>
-          <a:lstStyle/>
-          <a:p>
-            <a:r>
-              <a:rPr lang="nb-NO" dirty="0" err="1"/>
-              <a:t>Customer</a:t>
-            </a:r>
-            <a:r>
-              <a:rPr lang="nb-NO" dirty="0"/>
-              <a:t> Feedback Analysis</a:t>
-            </a:r>
-            <a:endParaRPr lang="nb-NO" dirty="0"/>
-          </a:p>
-        </p:txBody>
-      </p:sp>
-      <p:sp>
-        <p:nvSpPr>
-          <p:cNvPr id="3" name="Content Placeholder 2"/>
-          <p:cNvSpPr>
-            <a:spLocks noGrp="1"/>
-          </p:cNvSpPr>
-          <p:nvPr>
-            <p:ph sz="half" idx="1"/>
-          </p:nvPr>
-        </p:nvSpPr>
-        <p:spPr/>
-        <p:txBody>
-          <a:bodyPr>
-            <a:normAutofit fontScale="40000" lnSpcReduction="20000"/>
-          </a:bodyPr>
-          <a:lstStyle/>
-          <a:p>
-            <a:pPr>
-              <a:lnSpc>
-                <a:spcPct val="170000"/>
-              </a:lnSpc>
-            </a:pPr>
-            <a:r>
-              <a:rPr lang="en-US" b="1" dirty="0"/>
-              <a:t>Customer Ratings Distribution:</a:t>
-            </a:r>
-            <a:endParaRPr lang="en-US" b="1" dirty="0"/>
-          </a:p>
-          <a:p>
-            <a:pPr lvl="1">
-              <a:lnSpc>
-                <a:spcPct val="170000"/>
-              </a:lnSpc>
-            </a:pPr>
-            <a:r>
-              <a:rPr lang="en-US" dirty="0"/>
-              <a:t>The majority of customer reviews are in the higher ratings, with 140 reviews at 4 stars and 135 reviews at 5 stars, indicating overall positive feedback. Lower ratings (1-2 stars) account for a smaller proportion, with 26 reviews at 1 star and 57 reviews at 2 stars.</a:t>
-            </a:r>
-            <a:endParaRPr lang="en-US" dirty="0"/>
-          </a:p>
-          <a:p>
-            <a:pPr>
-              <a:lnSpc>
-                <a:spcPct val="170000"/>
-              </a:lnSpc>
-            </a:pPr>
-            <a:r>
-              <a:rPr lang="en-US" b="1" dirty="0"/>
-              <a:t>Sentiment Analysis:</a:t>
-            </a:r>
-            <a:endParaRPr lang="en-US" b="1" dirty="0"/>
-          </a:p>
-          <a:p>
-            <a:pPr lvl="1">
-              <a:lnSpc>
-                <a:spcPct val="170000"/>
-              </a:lnSpc>
-            </a:pPr>
-            <a:r>
-              <a:rPr lang="en-US" dirty="0"/>
-              <a:t>Positive sentiment dominates with 275 reviews, reflecting a generally satisfied customer base. Negative sentiment is present in 82 reviews, with a smaller number of mixed and neutral sentiments, suggesting some areas for improvement but overall strong customer approval.</a:t>
-            </a:r>
-            <a:endParaRPr lang="en-US" dirty="0"/>
-          </a:p>
-          <a:p>
-            <a:pPr>
-              <a:lnSpc>
-                <a:spcPct val="170000"/>
-              </a:lnSpc>
-            </a:pPr>
-            <a:r>
-              <a:rPr lang="en-US" b="1" dirty="0"/>
-              <a:t>Opportunity for Improvement:</a:t>
-            </a:r>
-            <a:endParaRPr lang="en-US" b="1" dirty="0"/>
-          </a:p>
-          <a:p>
-            <a:pPr lvl="1">
-              <a:lnSpc>
-                <a:spcPct val="170000"/>
-              </a:lnSpc>
-            </a:pPr>
-            <a:r>
-              <a:rPr lang="en-US" dirty="0"/>
-              <a:t>The presence of mixed positive and mixed negative sentiments suggests that there are opportunities to convert those mixed experiences into more clearly positive ones, potentially boosting overall ratings. Addressing the specific concerns in mixed reviews could elevate customer satisfaction.</a:t>
-            </a:r>
-            <a:endParaRPr lang="nb-NO" dirty="0"/>
-          </a:p>
-        </p:txBody>
-      </p:sp>
       <p:pic>
         <p:nvPicPr>
-          <p:cNvPr id="5" name="Image 4"/>
+          <p:cNvPr id="4" name="Picture 3"/>
           <p:cNvPicPr>
             <a:picLocks noChangeAspect="1"/>
           </p:cNvPicPr>
@@ -4193,24 +4474,141 @@
         </p:nvPicPr>
         <p:blipFill>
           <a:blip r:embed="rId1"/>
-          <a:srcRect r="51282"/>
+          <a:srcRect l="988" t="1604" r="50798" b="989"/>
           <a:stretch>
             <a:fillRect/>
           </a:stretch>
         </p:blipFill>
         <p:spPr>
           <a:xfrm>
-            <a:off x="6470954" y="1510463"/>
-            <a:ext cx="3278198" cy="2275321"/>
+            <a:off x="6663055" y="1363980"/>
+            <a:ext cx="3458845" cy="2530475"/>
           </a:xfrm>
           <a:prstGeom prst="rect">
             <a:avLst/>
           </a:prstGeom>
         </p:spPr>
       </p:pic>
+      <p:sp>
+        <p:nvSpPr>
+          <p:cNvPr id="2" name="Title 1"/>
+          <p:cNvSpPr>
+            <a:spLocks noGrp="1"/>
+          </p:cNvSpPr>
+          <p:nvPr>
+            <p:ph type="title"/>
+          </p:nvPr>
+        </p:nvSpPr>
+        <p:spPr/>
+        <p:txBody>
+          <a:bodyPr/>
+          <a:lstStyle/>
+          <a:p>
+            <a:r>
+              <a:rPr lang="nb-NO" dirty="0" err="1"/>
+              <a:t>Customer</a:t>
+            </a:r>
+            <a:r>
+              <a:rPr lang="nb-NO" dirty="0"/>
+              <a:t> Feedback Analysis</a:t>
+            </a:r>
+            <a:endParaRPr lang="nb-NO" dirty="0"/>
+          </a:p>
+        </p:txBody>
+      </p:sp>
+      <p:sp>
+        <p:nvSpPr>
+          <p:cNvPr id="3" name="Content Placeholder 2"/>
+          <p:cNvSpPr>
+            <a:spLocks noGrp="1"/>
+          </p:cNvSpPr>
+          <p:nvPr>
+            <p:ph sz="half" idx="1"/>
+          </p:nvPr>
+        </p:nvSpPr>
+        <p:spPr/>
+        <p:txBody>
+          <a:bodyPr>
+            <a:normAutofit fontScale="40000" lnSpcReduction="20000"/>
+          </a:bodyPr>
+          <a:lstStyle/>
+          <a:p>
+            <a:pPr>
+              <a:lnSpc>
+                <a:spcPct val="170000"/>
+              </a:lnSpc>
+            </a:pPr>
+            <a:r>
+              <a:rPr lang="en-US" b="1" dirty="0"/>
+              <a:t>Customer Ratings Distribution:</a:t>
+            </a:r>
+            <a:endParaRPr lang="en-US" b="1" dirty="0"/>
+          </a:p>
+          <a:p>
+            <a:pPr lvl="1">
+              <a:lnSpc>
+                <a:spcPct val="170000"/>
+              </a:lnSpc>
+            </a:pPr>
+            <a:r>
+              <a:rPr lang="en-US" dirty="0"/>
+              <a:t>The majority of customer reviews are in the higher ratings, with 140 reviews at 4 stars and 135 reviews at 5 stars, indicating overall positive feedback. Lower ratings (1-2 stars) account for a smaller proportion, with 26 reviews at 1 star and 57 reviews at 2 stars.</a:t>
+            </a:r>
+            <a:endParaRPr lang="en-US" dirty="0"/>
+          </a:p>
+          <a:p>
+            <a:pPr>
+              <a:lnSpc>
+                <a:spcPct val="170000"/>
+              </a:lnSpc>
+            </a:pPr>
+            <a:r>
+              <a:rPr lang="en-US" b="1" dirty="0"/>
+              <a:t>Sentiment Analysis:</a:t>
+            </a:r>
+            <a:endParaRPr lang="en-US" b="1" dirty="0"/>
+          </a:p>
+          <a:p>
+            <a:pPr lvl="1">
+              <a:lnSpc>
+                <a:spcPct val="170000"/>
+              </a:lnSpc>
+            </a:pPr>
+            <a:r>
+              <a:rPr lang="en-US" dirty="0"/>
+              <a:t>Positive sentiment dominates with 275 reviews, reflecting a generally satisfied customer base. Negative sentiment is present in 82 reviews, with a smaller number of mixed and neutral sentiments, suggesting some areas for improvement but overall strong customer approval.</a:t>
+            </a:r>
+            <a:endParaRPr lang="en-US" dirty="0"/>
+          </a:p>
+          <a:p>
+            <a:pPr>
+              <a:lnSpc>
+                <a:spcPct val="170000"/>
+              </a:lnSpc>
+            </a:pPr>
+            <a:r>
+              <a:rPr lang="en-US" b="1" dirty="0"/>
+              <a:t>Opportunity for Improvement:</a:t>
+            </a:r>
+            <a:endParaRPr lang="en-US" b="1" dirty="0"/>
+          </a:p>
+          <a:p>
+            <a:pPr lvl="1">
+              <a:lnSpc>
+                <a:spcPct val="170000"/>
+              </a:lnSpc>
+            </a:pPr>
+            <a:r>
+              <a:rPr lang="en-US" dirty="0"/>
+              <a:t>The presence of mixed positive and mixed negative sentiments suggests that there are opportunities to convert those mixed experiences into more clearly positive ones, potentially boosting overall ratings. Addressing the specific concerns in mixed reviews could elevate customer satisfaction.</a:t>
+            </a:r>
+            <a:endParaRPr lang="nb-NO" dirty="0"/>
+          </a:p>
+        </p:txBody>
+      </p:sp>
       <p:pic>
         <p:nvPicPr>
-          <p:cNvPr id="9" name="Image 8"/>
+          <p:cNvPr id="6" name="Picture 5"/>
           <p:cNvPicPr>
             <a:picLocks noChangeAspect="1"/>
           </p:cNvPicPr>
@@ -4218,15 +4616,15 @@
         </p:nvPicPr>
         <p:blipFill>
           <a:blip r:embed="rId1"/>
-          <a:srcRect l="48718"/>
+          <a:srcRect l="49891" t="1021" r="-325" b="1585"/>
           <a:stretch>
             <a:fillRect/>
           </a:stretch>
         </p:blipFill>
         <p:spPr>
           <a:xfrm>
-            <a:off x="6470953" y="3886060"/>
-            <a:ext cx="3278198" cy="2161570"/>
+            <a:off x="6663055" y="4006850"/>
+            <a:ext cx="3544570" cy="2546350"/>
           </a:xfrm>
           <a:prstGeom prst="rect">
             <a:avLst/>
@@ -4921,4 +5319,263 @@
     </a:ext>
   </a:extLst>
 </a:theme>
+</file>
+
+<file path=ppt/theme/theme2.xml><?xml version="1.0" encoding="utf-8"?>
+<a:theme xmlns:a="http://schemas.openxmlformats.org/drawingml/2006/main" name="Office Theme">
+  <a:themeElements>
+    <a:clrScheme name="Office">
+      <a:dk1>
+        <a:sysClr val="windowText" lastClr="000000"/>
+      </a:dk1>
+      <a:lt1>
+        <a:sysClr val="window" lastClr="FFFFFF"/>
+      </a:lt1>
+      <a:dk2>
+        <a:srgbClr val="44546A"/>
+      </a:dk2>
+      <a:lt2>
+        <a:srgbClr val="E7E6E6"/>
+      </a:lt2>
+      <a:accent1>
+        <a:srgbClr val="5B9BD5"/>
+      </a:accent1>
+      <a:accent2>
+        <a:srgbClr val="ED7D31"/>
+      </a:accent2>
+      <a:accent3>
+        <a:srgbClr val="A5A5A5"/>
+      </a:accent3>
+      <a:accent4>
+        <a:srgbClr val="FFC000"/>
+      </a:accent4>
+      <a:accent5>
+        <a:srgbClr val="4472C4"/>
+      </a:accent5>
+      <a:accent6>
+        <a:srgbClr val="70AD47"/>
+      </a:accent6>
+      <a:hlink>
+        <a:srgbClr val="0563C1"/>
+      </a:hlink>
+      <a:folHlink>
+        <a:srgbClr val="954F72"/>
+      </a:folHlink>
+    </a:clrScheme>
+    <a:fontScheme name="Office">
+      <a:majorFont>
+        <a:latin typeface="Calibri Light"/>
+        <a:ea typeface=""/>
+        <a:cs typeface=""/>
+        <a:font script="Jpan" typeface="ＭＳ Ｐゴシック"/>
+        <a:font script="Hang" typeface="맑은 고딕"/>
+        <a:font script="Hans" typeface="宋体"/>
+        <a:font script="Hant" typeface="新細明體"/>
+        <a:font script="Arab" typeface="Times New Roman"/>
+        <a:font script="Hebr" typeface="Times New Roman"/>
+        <a:font script="Thai" typeface="Angsana New"/>
+        <a:font script="Ethi" typeface="Nyala"/>
+        <a:font script="Beng" typeface="Vrinda"/>
+        <a:font script="Gujr" typeface="Shruti"/>
+        <a:font script="Khmr" typeface="MoolBoran"/>
+        <a:font script="Knda" typeface="Tunga"/>
+        <a:font script="Guru" typeface="Raavi"/>
+        <a:font script="Cans" typeface="Euphemia"/>
+        <a:font script="Cher" typeface="Plantagenet Cherokee"/>
+        <a:font script="Yiii" typeface="Microsoft Yi Baiti"/>
+        <a:font script="Tibt" typeface="Microsoft Himalaya"/>
+        <a:font script="Thaa" typeface="MV Boli"/>
+        <a:font script="Deva" typeface="Mangal"/>
+        <a:font script="Telu" typeface="Gautami"/>
+        <a:font script="Taml" typeface="Latha"/>
+        <a:font script="Syrc" typeface="Estrangelo Edessa"/>
+        <a:font script="Orya" typeface="Kalinga"/>
+        <a:font script="Mlym" typeface="Kartika"/>
+        <a:font script="Laoo" typeface="DokChampa"/>
+        <a:font script="Sinh" typeface="Iskoola Pota"/>
+        <a:font script="Mong" typeface="Mongolian Baiti"/>
+        <a:font script="Viet" typeface="Times New Roman"/>
+        <a:font script="Uigh" typeface="Microsoft Uighur"/>
+        <a:font script="Geor" typeface="Sylfaen"/>
+      </a:majorFont>
+      <a:minorFont>
+        <a:latin typeface="Calibri"/>
+        <a:ea typeface=""/>
+        <a:cs typeface=""/>
+        <a:font script="Jpan" typeface="ＭＳ Ｐゴシック"/>
+        <a:font script="Hang" typeface="맑은 고딕"/>
+        <a:font script="Hans" typeface="宋体"/>
+        <a:font script="Hant" typeface="新細明體"/>
+        <a:font script="Arab" typeface="Arial"/>
+        <a:font script="Hebr" typeface="Arial"/>
+        <a:font script="Thai" typeface="Cordia New"/>
+        <a:font script="Ethi" typeface="Nyala"/>
+        <a:font script="Beng" typeface="Vrinda"/>
+        <a:font script="Gujr" typeface="Shruti"/>
+        <a:font script="Khmr" typeface="DaunPenh"/>
+        <a:font script="Knda" typeface="Tunga"/>
+        <a:font script="Guru" typeface="Raavi"/>
+        <a:font script="Cans" typeface="Euphemia"/>
+        <a:font script="Cher" typeface="Plantagenet Cherokee"/>
+        <a:font script="Yiii" typeface="Microsoft Yi Baiti"/>
+        <a:font script="Tibt" typeface="Microsoft Himalaya"/>
+        <a:font script="Thaa" typeface="MV Boli"/>
+        <a:font script="Deva" typeface="Mangal"/>
+        <a:font script="Telu" typeface="Gautami"/>
+        <a:font script="Taml" typeface="Latha"/>
+        <a:font script="Syrc" typeface="Estrangelo Edessa"/>
+        <a:font script="Orya" typeface="Kalinga"/>
+        <a:font script="Mlym" typeface="Kartika"/>
+        <a:font script="Laoo" typeface="DokChampa"/>
+        <a:font script="Sinh" typeface="Iskoola Pota"/>
+        <a:font script="Mong" typeface="Mongolian Baiti"/>
+        <a:font script="Viet" typeface="Arial"/>
+        <a:font script="Uigh" typeface="Microsoft Uighur"/>
+        <a:font script="Geor" typeface="Sylfaen"/>
+      </a:minorFont>
+    </a:fontScheme>
+    <a:fmtScheme name="Office">
+      <a:fillStyleLst>
+        <a:solidFill>
+          <a:schemeClr val="phClr"/>
+        </a:solidFill>
+        <a:gradFill rotWithShape="1">
+          <a:gsLst>
+            <a:gs pos="0">
+              <a:schemeClr val="phClr">
+                <a:lumMod val="110000"/>
+                <a:satMod val="105000"/>
+                <a:tint val="67000"/>
+              </a:schemeClr>
+            </a:gs>
+            <a:gs pos="50000">
+              <a:schemeClr val="phClr">
+                <a:lumMod val="105000"/>
+                <a:satMod val="103000"/>
+                <a:tint val="73000"/>
+              </a:schemeClr>
+            </a:gs>
+            <a:gs pos="100000">
+              <a:schemeClr val="phClr">
+                <a:lumMod val="105000"/>
+                <a:satMod val="109000"/>
+                <a:tint val="81000"/>
+              </a:schemeClr>
+            </a:gs>
+          </a:gsLst>
+          <a:lin ang="5400000" scaled="0"/>
+        </a:gradFill>
+        <a:gradFill rotWithShape="1">
+          <a:gsLst>
+            <a:gs pos="0">
+              <a:schemeClr val="phClr">
+                <a:satMod val="103000"/>
+                <a:lumMod val="102000"/>
+                <a:tint val="94000"/>
+              </a:schemeClr>
+            </a:gs>
+            <a:gs pos="50000">
+              <a:schemeClr val="phClr">
+                <a:satMod val="110000"/>
+                <a:lumMod val="100000"/>
+                <a:shade val="100000"/>
+              </a:schemeClr>
+            </a:gs>
+            <a:gs pos="100000">
+              <a:schemeClr val="phClr">
+                <a:lumMod val="99000"/>
+                <a:satMod val="120000"/>
+                <a:shade val="78000"/>
+              </a:schemeClr>
+            </a:gs>
+          </a:gsLst>
+          <a:lin ang="5400000" scaled="0"/>
+        </a:gradFill>
+      </a:fillStyleLst>
+      <a:lnStyleLst>
+        <a:ln w="6350" cap="flat" cmpd="sng" algn="ctr">
+          <a:solidFill>
+            <a:schemeClr val="phClr"/>
+          </a:solidFill>
+          <a:prstDash val="solid"/>
+          <a:miter lim="800000"/>
+        </a:ln>
+        <a:ln w="12700" cap="flat" cmpd="sng" algn="ctr">
+          <a:solidFill>
+            <a:schemeClr val="phClr"/>
+          </a:solidFill>
+          <a:prstDash val="solid"/>
+          <a:miter lim="800000"/>
+        </a:ln>
+        <a:ln w="19050" cap="flat" cmpd="sng" algn="ctr">
+          <a:solidFill>
+            <a:schemeClr val="phClr"/>
+          </a:solidFill>
+          <a:prstDash val="solid"/>
+          <a:miter lim="800000"/>
+        </a:ln>
+      </a:lnStyleLst>
+      <a:effectStyleLst>
+        <a:effectStyle>
+          <a:effectLst/>
+        </a:effectStyle>
+        <a:effectStyle>
+          <a:effectLst/>
+        </a:effectStyle>
+        <a:effectStyle>
+          <a:effectLst>
+            <a:outerShdw blurRad="57150" dist="19050" dir="5400000" algn="ctr" rotWithShape="0">
+              <a:srgbClr val="000000">
+                <a:alpha val="63000"/>
+              </a:srgbClr>
+            </a:outerShdw>
+          </a:effectLst>
+        </a:effectStyle>
+      </a:effectStyleLst>
+      <a:bgFillStyleLst>
+        <a:solidFill>
+          <a:schemeClr val="phClr"/>
+        </a:solidFill>
+        <a:solidFill>
+          <a:schemeClr val="phClr">
+            <a:tint val="95000"/>
+            <a:satMod val="170000"/>
+          </a:schemeClr>
+        </a:solidFill>
+        <a:gradFill rotWithShape="1">
+          <a:gsLst>
+            <a:gs pos="0">
+              <a:schemeClr val="phClr">
+                <a:tint val="93000"/>
+                <a:satMod val="150000"/>
+                <a:shade val="98000"/>
+                <a:lumMod val="102000"/>
+              </a:schemeClr>
+            </a:gs>
+            <a:gs pos="50000">
+              <a:schemeClr val="phClr">
+                <a:tint val="98000"/>
+                <a:satMod val="130000"/>
+                <a:shade val="90000"/>
+                <a:lumMod val="103000"/>
+              </a:schemeClr>
+            </a:gs>
+            <a:gs pos="100000">
+              <a:schemeClr val="phClr">
+                <a:shade val="63000"/>
+                <a:satMod val="120000"/>
+              </a:schemeClr>
+            </a:gs>
+          </a:gsLst>
+          <a:lin ang="5400000" scaled="0"/>
+        </a:gradFill>
+      </a:bgFillStyleLst>
+    </a:fmtScheme>
+  </a:themeElements>
+  <a:extLst>
+    <a:ext uri="{05A4C25C-085E-4340-85A3-A5531E510DB2}">
+      <thm15:themeFamily xmlns:thm15="http://schemas.microsoft.com/office/thememl/2012/main" name="Office Theme" id="{62F939B6-93AF-4DB8-9C6B-D6C7DFDC589F}" vid="{4A3C46E8-61CC-4603-A589-7422A47A8E4A}"/>
+    </a:ext>
+  </a:extLst>
+</a:theme>
 </file>
--- a/Marketing Analytics Business Case.pptx
+++ b/Marketing Analytics Business Case.pptx
@@ -4089,7 +4089,15 @@
             </a:pPr>
             <a:r>
               <a:rPr lang="en-US" dirty="0"/>
-              <a:t>May experienced the lowest overall conversion rate at 4.3%, with no products standing out significantly in terms of conversion. This indicates a potential need to revisit marketing strategies or promotions during this period to boost performance.</a:t>
+              <a:t>May experienced the lowest overall conversion rate at 4.</a:t>
+            </a:r>
+            <a:r>
+              <a:rPr lang="fr-FR" altLang="en-US" dirty="0"/>
+              <a:t>5</a:t>
+            </a:r>
+            <a:r>
+              <a:rPr lang="en-US" dirty="0"/>
+              <a:t>%, with no products standing out significantly in terms of conversion. This indicates a potential need to revisit marketing strategies or promotions during this period to boost performance.</a:t>
             </a:r>
             <a:endParaRPr lang="en-US" dirty="0"/>
           </a:p>
@@ -4113,7 +4121,15 @@
             </a:pPr>
             <a:r>
               <a:rPr lang="en-US" dirty="0"/>
-              <a:t>January recorded the highest overall conversion rate at 18.5%, driven significantly by the Ski Boots with a remarkable 150% conversion. This indicates a strong start to the year, likely fueled by seasonal demand and effective marketing strategies.</a:t>
+              <a:t>January recorded the highest overall conversion rate at 1</a:t>
+            </a:r>
+            <a:r>
+              <a:rPr lang="fr-FR" altLang="en-US" dirty="0"/>
+              <a:t>9.6</a:t>
+            </a:r>
+            <a:r>
+              <a:rPr lang="en-US" dirty="0"/>
+              <a:t>%, driven significantly by the Ski Boots with a remarkable 150% conversion. This indicates a strong start to the year, likely fueled by seasonal demand and effective marketing strategies.</a:t>
             </a:r>
             <a:endParaRPr lang="en-US" dirty="0"/>
           </a:p>
@@ -4394,7 +4410,15 @@
             </a:pPr>
             <a:r>
               <a:rPr lang="en-US" dirty="0"/>
-              <a:t>Blog content drove the most views, especially in April and July, while social media and video content maintained steady but slightly lower engagement.</a:t>
+              <a:t>Blog content drove the most views, especially in </a:t>
+            </a:r>
+            <a:r>
+              <a:rPr lang="en-US" altLang="en-US"/>
+              <a:t>March and May</a:t>
+            </a:r>
+            <a:r>
+              <a:rPr lang="en-US" dirty="0"/>
+              <a:t>, while social media and video content maintained steady but slightly lower engagement.</a:t>
             </a:r>
             <a:endParaRPr lang="nb-NO" dirty="0"/>
           </a:p>
